--- a/PPT/DataScience07-Numpy.pptx
+++ b/PPT/DataScience07-Numpy.pptx
@@ -4485,11 +4485,7 @@
           <a:p>
             <a:r>
               <a:rPr lang="fr-FR" dirty="0" smtClean="0"/>
-              <a:t>Les nombres </a:t>
-            </a:r>
-            <a:r>
-              <a:rPr lang="fr-FR" dirty="0" smtClean="0"/>
-              <a:t>complexes</a:t>
+              <a:t>Les nombres complexes</a:t>
             </a:r>
             <a:endParaRPr lang="fr-FR" dirty="0"/>
           </a:p>
@@ -6212,11 +6208,15 @@
             </a:r>
             <a:r>
               <a:rPr lang="fr-FR" dirty="0" err="1" smtClean="0"/>
-              <a:t>inercept</a:t>
-            </a:r>
-            <a:r>
-              <a:rPr lang="fr-FR" dirty="0" smtClean="0"/>
-              <a:t> = b, </a:t>
+              <a:t>intercept</a:t>
+            </a:r>
+            <a:r>
+              <a:rPr lang="fr-FR" dirty="0" smtClean="0"/>
+              <a:t> </a:t>
+            </a:r>
+            <a:r>
+              <a:rPr lang="fr-FR" dirty="0" smtClean="0"/>
+              <a:t>= b, </a:t>
             </a:r>
             <a:r>
               <a:rPr lang="fr-FR" dirty="0" err="1" smtClean="0"/>

--- a/PPT/DataScience07-Numpy.pptx
+++ b/PPT/DataScience07-Numpy.pptx
@@ -5,10 +5,10 @@
     <p:sldMasterId id="2147483653" r:id="rId1"/>
   </p:sldMasterIdLst>
   <p:notesMasterIdLst>
-    <p:notesMasterId r:id="rId16"/>
+    <p:notesMasterId r:id="rId15"/>
   </p:notesMasterIdLst>
   <p:handoutMasterIdLst>
-    <p:handoutMasterId r:id="rId17"/>
+    <p:handoutMasterId r:id="rId16"/>
   </p:handoutMasterIdLst>
   <p:sldIdLst>
     <p:sldId id="264" r:id="rId2"/>
@@ -18,13 +18,12 @@
     <p:sldId id="268" r:id="rId6"/>
     <p:sldId id="274" r:id="rId7"/>
     <p:sldId id="276" r:id="rId8"/>
-    <p:sldId id="277" r:id="rId9"/>
-    <p:sldId id="278" r:id="rId10"/>
-    <p:sldId id="279" r:id="rId11"/>
-    <p:sldId id="280" r:id="rId12"/>
-    <p:sldId id="281" r:id="rId13"/>
-    <p:sldId id="282" r:id="rId14"/>
-    <p:sldId id="273" r:id="rId15"/>
+    <p:sldId id="278" r:id="rId9"/>
+    <p:sldId id="279" r:id="rId10"/>
+    <p:sldId id="280" r:id="rId11"/>
+    <p:sldId id="281" r:id="rId12"/>
+    <p:sldId id="282" r:id="rId13"/>
+    <p:sldId id="273" r:id="rId14"/>
   </p:sldIdLst>
   <p:sldSz cx="9144000" cy="6858000" type="screen4x3"/>
   <p:notesSz cx="6648450" cy="9782175"/>
@@ -3817,265 +3816,6 @@
           <a:lstStyle/>
           <a:p>
             <a:r>
-              <a:rPr lang="fr-FR" dirty="0" err="1" smtClean="0"/>
-              <a:t>SciPy</a:t>
-            </a:r>
-            <a:endParaRPr lang="fr-FR" dirty="0"/>
-          </a:p>
-        </p:txBody>
-      </p:sp>
-      <p:sp>
-        <p:nvSpPr>
-          <p:cNvPr id="3" name="Espace réservé du contenu 2"/>
-          <p:cNvSpPr>
-            <a:spLocks noGrp="1"/>
-          </p:cNvSpPr>
-          <p:nvPr>
-            <p:ph idx="1"/>
-          </p:nvPr>
-        </p:nvSpPr>
-        <p:spPr/>
-        <p:txBody>
-          <a:bodyPr/>
-          <a:lstStyle/>
-          <a:p>
-            <a:r>
-              <a:rPr lang="fr-FR" dirty="0" err="1" smtClean="0"/>
-              <a:t>Linregress</a:t>
-            </a:r>
-            <a:endParaRPr lang="fr-FR" dirty="0" smtClean="0"/>
-          </a:p>
-          <a:p>
-            <a:pPr lvl="1"/>
-            <a:r>
-              <a:rPr lang="fr-FR" dirty="0" smtClean="0"/>
-              <a:t>Calcul la </a:t>
-            </a:r>
-            <a:r>
-              <a:rPr lang="fr-FR" dirty="0" err="1" smtClean="0"/>
-              <a:t>regression</a:t>
-            </a:r>
-            <a:endParaRPr lang="fr-FR" dirty="0" smtClean="0"/>
-          </a:p>
-          <a:p>
-            <a:pPr lvl="1"/>
-            <a:r>
-              <a:rPr lang="fr-FR" sz="2000" dirty="0" err="1">
-                <a:latin typeface="Courier New" panose="02070309020205020404" pitchFamily="49" charset="0"/>
-                <a:cs typeface="Courier New" panose="02070309020205020404" pitchFamily="49" charset="0"/>
-              </a:rPr>
-              <a:t>slope</a:t>
-            </a:r>
-            <a:r>
-              <a:rPr lang="fr-FR" sz="2000" dirty="0">
-                <a:latin typeface="Courier New" panose="02070309020205020404" pitchFamily="49" charset="0"/>
-                <a:cs typeface="Courier New" panose="02070309020205020404" pitchFamily="49" charset="0"/>
-              </a:rPr>
-              <a:t>, </a:t>
-            </a:r>
-            <a:r>
-              <a:rPr lang="fr-FR" sz="2000" dirty="0" err="1">
-                <a:latin typeface="Courier New" panose="02070309020205020404" pitchFamily="49" charset="0"/>
-                <a:cs typeface="Courier New" panose="02070309020205020404" pitchFamily="49" charset="0"/>
-              </a:rPr>
-              <a:t>intercept</a:t>
-            </a:r>
-            <a:r>
-              <a:rPr lang="fr-FR" sz="2000" dirty="0">
-                <a:latin typeface="Courier New" panose="02070309020205020404" pitchFamily="49" charset="0"/>
-                <a:cs typeface="Courier New" panose="02070309020205020404" pitchFamily="49" charset="0"/>
-              </a:rPr>
-              <a:t>, </a:t>
-            </a:r>
-            <a:r>
-              <a:rPr lang="fr-FR" sz="2000" dirty="0" err="1">
-                <a:latin typeface="Courier New" panose="02070309020205020404" pitchFamily="49" charset="0"/>
-                <a:cs typeface="Courier New" panose="02070309020205020404" pitchFamily="49" charset="0"/>
-              </a:rPr>
-              <a:t>r_value</a:t>
-            </a:r>
-            <a:r>
-              <a:rPr lang="fr-FR" sz="2000" dirty="0">
-                <a:latin typeface="Courier New" panose="02070309020205020404" pitchFamily="49" charset="0"/>
-                <a:cs typeface="Courier New" panose="02070309020205020404" pitchFamily="49" charset="0"/>
-              </a:rPr>
-              <a:t>, </a:t>
-            </a:r>
-            <a:r>
-              <a:rPr lang="fr-FR" sz="2000" dirty="0" err="1">
-                <a:latin typeface="Courier New" panose="02070309020205020404" pitchFamily="49" charset="0"/>
-                <a:cs typeface="Courier New" panose="02070309020205020404" pitchFamily="49" charset="0"/>
-              </a:rPr>
-              <a:t>p_value</a:t>
-            </a:r>
-            <a:r>
-              <a:rPr lang="fr-FR" sz="2000" dirty="0">
-                <a:latin typeface="Courier New" panose="02070309020205020404" pitchFamily="49" charset="0"/>
-                <a:cs typeface="Courier New" panose="02070309020205020404" pitchFamily="49" charset="0"/>
-              </a:rPr>
-              <a:t>, </a:t>
-            </a:r>
-            <a:r>
-              <a:rPr lang="fr-FR" sz="2000" dirty="0" err="1">
-                <a:latin typeface="Courier New" panose="02070309020205020404" pitchFamily="49" charset="0"/>
-                <a:cs typeface="Courier New" panose="02070309020205020404" pitchFamily="49" charset="0"/>
-              </a:rPr>
-              <a:t>std_err</a:t>
-            </a:r>
-            <a:r>
-              <a:rPr lang="fr-FR" sz="2000" dirty="0">
-                <a:latin typeface="Courier New" panose="02070309020205020404" pitchFamily="49" charset="0"/>
-                <a:cs typeface="Courier New" panose="02070309020205020404" pitchFamily="49" charset="0"/>
-              </a:rPr>
-              <a:t> = </a:t>
-            </a:r>
-            <a:r>
-              <a:rPr lang="fr-FR" sz="2000" dirty="0" err="1">
-                <a:latin typeface="Courier New" panose="02070309020205020404" pitchFamily="49" charset="0"/>
-                <a:cs typeface="Courier New" panose="02070309020205020404" pitchFamily="49" charset="0"/>
-              </a:rPr>
-              <a:t>stats.linregress</a:t>
-            </a:r>
-            <a:r>
-              <a:rPr lang="fr-FR" sz="2000" dirty="0">
-                <a:latin typeface="Courier New" panose="02070309020205020404" pitchFamily="49" charset="0"/>
-                <a:cs typeface="Courier New" panose="02070309020205020404" pitchFamily="49" charset="0"/>
-              </a:rPr>
-              <a:t>(</a:t>
-            </a:r>
-            <a:r>
-              <a:rPr lang="fr-FR" sz="2000" dirty="0" err="1">
-                <a:latin typeface="Courier New" panose="02070309020205020404" pitchFamily="49" charset="0"/>
-                <a:cs typeface="Courier New" panose="02070309020205020404" pitchFamily="49" charset="0"/>
-              </a:rPr>
-              <a:t>x,y</a:t>
-            </a:r>
-            <a:r>
-              <a:rPr lang="fr-FR" sz="2000" dirty="0" smtClean="0">
-                <a:latin typeface="Courier New" panose="02070309020205020404" pitchFamily="49" charset="0"/>
-                <a:cs typeface="Courier New" panose="02070309020205020404" pitchFamily="49" charset="0"/>
-              </a:rPr>
-              <a:t>)</a:t>
-            </a:r>
-          </a:p>
-          <a:p>
-            <a:pPr lvl="1"/>
-            <a:r>
-              <a:rPr lang="fr-FR" dirty="0" err="1" smtClean="0"/>
-              <a:t>slope</a:t>
-            </a:r>
-            <a:r>
-              <a:rPr lang="fr-FR" dirty="0" smtClean="0"/>
-              <a:t> = a de </a:t>
-            </a:r>
-            <a:r>
-              <a:rPr lang="fr-FR" dirty="0" err="1" smtClean="0"/>
-              <a:t>ax+b</a:t>
-            </a:r>
-            <a:endParaRPr lang="fr-FR" dirty="0" smtClean="0"/>
-          </a:p>
-          <a:p>
-            <a:pPr lvl="1"/>
-            <a:r>
-              <a:rPr lang="fr-FR" dirty="0" err="1" smtClean="0"/>
-              <a:t>intercept</a:t>
-            </a:r>
-            <a:r>
-              <a:rPr lang="fr-FR" dirty="0" smtClean="0"/>
-              <a:t> = b</a:t>
-            </a:r>
-          </a:p>
-          <a:p>
-            <a:pPr lvl="1"/>
-            <a:r>
-              <a:rPr lang="fr-FR" dirty="0" err="1" smtClean="0"/>
-              <a:t>r_value</a:t>
-            </a:r>
-            <a:r>
-              <a:rPr lang="fr-FR" dirty="0" smtClean="0"/>
-              <a:t> le coefficient de corrélation dont la valeur absolue doit être proche de 1</a:t>
-            </a:r>
-            <a:endParaRPr lang="fr-FR" dirty="0"/>
-          </a:p>
-        </p:txBody>
-      </p:sp>
-      <p:pic>
-        <p:nvPicPr>
-          <p:cNvPr id="4" name="Image 3"/>
-          <p:cNvPicPr>
-            <a:picLocks noChangeAspect="1"/>
-          </p:cNvPicPr>
-          <p:nvPr/>
-        </p:nvPicPr>
-        <p:blipFill>
-          <a:blip r:embed="rId2"/>
-          <a:stretch>
-            <a:fillRect/>
-          </a:stretch>
-        </p:blipFill>
-        <p:spPr>
-          <a:xfrm>
-            <a:off x="4102472" y="265621"/>
-            <a:ext cx="2000250" cy="638175"/>
-          </a:xfrm>
-          <a:prstGeom prst="rect">
-            <a:avLst/>
-          </a:prstGeom>
-        </p:spPr>
-      </p:pic>
-    </p:spTree>
-    <p:extLst>
-      <p:ext uri="{BB962C8B-B14F-4D97-AF65-F5344CB8AC3E}">
-        <p14:creationId xmlns:p14="http://schemas.microsoft.com/office/powerpoint/2010/main" val="731689593"/>
-      </p:ext>
-    </p:extLst>
-  </p:cSld>
-  <p:clrMapOvr>
-    <a:masterClrMapping/>
-  </p:clrMapOvr>
-  <p:timing>
-    <p:tnLst>
-      <p:par>
-        <p:cTn id="1" dur="indefinite" restart="never" nodeType="tmRoot"/>
-      </p:par>
-    </p:tnLst>
-  </p:timing>
-</p:sld>
-</file>
-
-<file path=ppt/slides/slide11.xml><?xml version="1.0" encoding="utf-8"?>
-<p:sld xmlns:a="http://schemas.openxmlformats.org/drawingml/2006/main" xmlns:r="http://schemas.openxmlformats.org/officeDocument/2006/relationships" xmlns:p="http://schemas.openxmlformats.org/presentationml/2006/main">
-  <p:cSld>
-    <p:spTree>
-      <p:nvGrpSpPr>
-        <p:cNvPr id="1" name=""/>
-        <p:cNvGrpSpPr/>
-        <p:nvPr/>
-      </p:nvGrpSpPr>
-      <p:grpSpPr>
-        <a:xfrm>
-          <a:off x="0" y="0"/>
-          <a:ext cx="0" cy="0"/>
-          <a:chOff x="0" y="0"/>
-          <a:chExt cx="0" cy="0"/>
-        </a:xfrm>
-      </p:grpSpPr>
-      <p:sp>
-        <p:nvSpPr>
-          <p:cNvPr id="2" name="Titre 1"/>
-          <p:cNvSpPr>
-            <a:spLocks noGrp="1"/>
-          </p:cNvSpPr>
-          <p:nvPr>
-            <p:ph type="title"/>
-          </p:nvPr>
-        </p:nvSpPr>
-        <p:spPr/>
-        <p:txBody>
-          <a:bodyPr/>
-          <a:lstStyle/>
-          <a:p>
-            <a:r>
               <a:rPr lang="fr-FR" dirty="0" smtClean="0"/>
               <a:t>Interprétation des résultats</a:t>
             </a:r>
@@ -4237,7 +3977,7 @@
 </p:sld>
 </file>
 
-<file path=ppt/slides/slide12.xml><?xml version="1.0" encoding="utf-8"?>
+<file path=ppt/slides/slide11.xml><?xml version="1.0" encoding="utf-8"?>
 <p:sld xmlns:a="http://schemas.openxmlformats.org/drawingml/2006/main" xmlns:r="http://schemas.openxmlformats.org/officeDocument/2006/relationships" xmlns:p="http://schemas.openxmlformats.org/presentationml/2006/main">
   <p:cSld>
     <p:spTree>
@@ -4451,7 +4191,7 @@
 </p:sld>
 </file>
 
-<file path=ppt/slides/slide13.xml><?xml version="1.0" encoding="utf-8"?>
+<file path=ppt/slides/slide12.xml><?xml version="1.0" encoding="utf-8"?>
 <p:sld xmlns:a="http://schemas.openxmlformats.org/drawingml/2006/main" xmlns:r="http://schemas.openxmlformats.org/officeDocument/2006/relationships" xmlns:p="http://schemas.openxmlformats.org/presentationml/2006/main">
   <p:cSld>
     <p:spTree>
@@ -4567,7 +4307,7 @@
     </p:spTree>
     <p:extLst>
       <p:ext uri="{BB962C8B-B14F-4D97-AF65-F5344CB8AC3E}">
-        <p14:creationId xmlns:p14="http://schemas.microsoft.com/office/powerpoint/2010/main" val="3491682502"/>
+        <p14:creationId xmlns:p14="http://schemas.microsoft.com/office/powerpoint/2010/main" val="3161922698"/>
       </p:ext>
     </p:extLst>
   </p:cSld>
@@ -4584,7 +4324,7 @@
 </p:sld>
 </file>
 
-<file path=ppt/slides/slide14.xml><?xml version="1.0" encoding="utf-8"?>
+<file path=ppt/slides/slide13.xml><?xml version="1.0" encoding="utf-8"?>
 <p:sld xmlns:a="http://schemas.openxmlformats.org/drawingml/2006/main" xmlns:r="http://schemas.openxmlformats.org/officeDocument/2006/relationships" xmlns:p="http://schemas.openxmlformats.org/presentationml/2006/main">
   <p:cSld>
     <p:spTree>
@@ -5109,7 +4849,7 @@
         </p:blipFill>
         <p:spPr>
           <a:xfrm>
-            <a:off x="4257884" y="3573016"/>
+            <a:off x="4257884" y="3466033"/>
             <a:ext cx="4886116" cy="2987303"/>
           </a:xfrm>
           <a:prstGeom prst="rect">
@@ -5877,8 +5617,8 @@
           <a:lstStyle/>
           <a:p>
             <a:r>
-              <a:rPr lang="fr-FR" dirty="0" smtClean="0"/>
-              <a:t>Calcul de la régression linéaire</a:t>
+              <a:rPr lang="fr-FR" dirty="0" err="1" smtClean="0"/>
+              <a:t>SciPy</a:t>
             </a:r>
             <a:endParaRPr lang="fr-FR" dirty="0"/>
           </a:p>
@@ -5900,20 +5640,104 @@
           <a:lstStyle/>
           <a:p>
             <a:r>
+              <a:rPr lang="fr-FR" dirty="0" err="1" smtClean="0"/>
+              <a:t>SciPy</a:t>
+            </a:r>
+            <a:r>
+              <a:rPr lang="fr-FR" dirty="0" smtClean="0"/>
+              <a:t> contient des modules avancés dans plusieurs domaines</a:t>
+            </a:r>
+          </a:p>
+          <a:p>
+            <a:pPr lvl="1"/>
+            <a:r>
+              <a:rPr lang="fr-FR" dirty="0" smtClean="0"/>
+              <a:t>Basé sur </a:t>
+            </a:r>
+            <a:r>
+              <a:rPr lang="fr-FR" dirty="0" err="1" smtClean="0"/>
+              <a:t>NumPy</a:t>
+            </a:r>
+            <a:endParaRPr lang="fr-FR" dirty="0" smtClean="0"/>
+          </a:p>
+          <a:p>
+            <a:r>
+              <a:rPr lang="fr-FR" dirty="0" err="1" smtClean="0"/>
+              <a:t>Scipy.stats</a:t>
+            </a:r>
+            <a:endParaRPr lang="fr-FR" dirty="0" smtClean="0"/>
+          </a:p>
+          <a:p>
+            <a:pPr lvl="1"/>
+            <a:r>
+              <a:rPr lang="fr-FR" dirty="0" smtClean="0"/>
+              <a:t>Outils de statistiques</a:t>
+            </a:r>
+          </a:p>
+          <a:p>
+            <a:r>
+              <a:rPr lang="fr-FR" dirty="0" err="1" smtClean="0"/>
+              <a:t>Linregress</a:t>
+            </a:r>
+            <a:endParaRPr lang="fr-FR" dirty="0" smtClean="0"/>
+          </a:p>
+          <a:p>
+            <a:pPr lvl="1"/>
+            <a:r>
+              <a:rPr lang="fr-FR" dirty="0" smtClean="0"/>
+              <a:t>Calcul la </a:t>
+            </a:r>
+            <a:r>
+              <a:rPr lang="fr-FR" dirty="0" err="1" smtClean="0"/>
+              <a:t>regression</a:t>
+            </a:r>
+            <a:endParaRPr lang="fr-FR" dirty="0" smtClean="0"/>
+          </a:p>
+          <a:p>
+            <a:pPr lvl="1"/>
+            <a:r>
+              <a:rPr lang="fr-FR" dirty="0" err="1"/>
+              <a:t>slope</a:t>
+            </a:r>
+            <a:r>
               <a:rPr lang="fr-FR" dirty="0"/>
-              <a:t>x = </a:t>
+              <a:t>, </a:t>
             </a:r>
             <a:r>
               <a:rPr lang="fr-FR" dirty="0" err="1"/>
-              <a:t>np.matrix</a:t>
+              <a:t>intercept</a:t>
             </a:r>
             <a:r>
               <a:rPr lang="fr-FR" dirty="0"/>
-              <a:t>([</a:t>
+              <a:t>, </a:t>
             </a:r>
             <a:r>
               <a:rPr lang="fr-FR" dirty="0" err="1"/>
-              <a:t>np.ones</a:t>
+              <a:t>r_value</a:t>
+            </a:r>
+            <a:r>
+              <a:rPr lang="fr-FR" dirty="0"/>
+              <a:t>, </a:t>
+            </a:r>
+            <a:r>
+              <a:rPr lang="fr-FR" dirty="0" err="1"/>
+              <a:t>p_value</a:t>
+            </a:r>
+            <a:r>
+              <a:rPr lang="fr-FR" dirty="0"/>
+              <a:t>, </a:t>
+            </a:r>
+            <a:r>
+              <a:rPr lang="fr-FR" dirty="0" err="1"/>
+              <a:t>std_err</a:t>
+            </a:r>
+            <a:r>
+              <a:rPr lang="fr-FR" dirty="0"/>
+              <a:t> = </a:t>
+            </a:r>
+            <a:r>
+              <a:rPr lang="fr-FR" dirty="0" err="1"/>
+              <a:t>stats.linregress</a:t>
             </a:r>
             <a:r>
               <a:rPr lang="fr-FR" dirty="0"/>
@@ -5921,51 +5745,7 @@
             </a:r>
             <a:r>
               <a:rPr lang="fr-FR" dirty="0" err="1"/>
-              <a:t>surfaces.shape</a:t>
-            </a:r>
-            <a:r>
-              <a:rPr lang="fr-FR" dirty="0"/>
-              <a:t>[0]), surfaces]).T</a:t>
-            </a:r>
-          </a:p>
-          <a:p>
-            <a:r>
-              <a:rPr lang="fr-FR" dirty="0"/>
-              <a:t>y = </a:t>
-            </a:r>
-            <a:r>
-              <a:rPr lang="fr-FR" dirty="0" err="1"/>
-              <a:t>np.matrix</a:t>
-            </a:r>
-            <a:r>
-              <a:rPr lang="fr-FR" dirty="0"/>
-              <a:t>(loyers).T</a:t>
-            </a:r>
-          </a:p>
-          <a:p>
-            <a:r>
-              <a:rPr lang="fr-FR" dirty="0" err="1"/>
-              <a:t>theta</a:t>
-            </a:r>
-            <a:r>
-              <a:rPr lang="fr-FR" dirty="0"/>
-              <a:t> = </a:t>
-            </a:r>
-            <a:r>
-              <a:rPr lang="fr-FR" dirty="0" err="1"/>
-              <a:t>np.linalg.inv</a:t>
-            </a:r>
-            <a:r>
-              <a:rPr lang="fr-FR" dirty="0"/>
-              <a:t>(x.T.dot(x)).dot(</a:t>
-            </a:r>
-            <a:r>
-              <a:rPr lang="fr-FR" dirty="0" err="1"/>
-              <a:t>x.T</a:t>
-            </a:r>
-            <a:r>
-              <a:rPr lang="fr-FR" dirty="0"/>
-              <a:t>).dot(y</a:t>
+              <a:t>x,y</a:t>
             </a:r>
             <a:r>
               <a:rPr lang="fr-FR" dirty="0" smtClean="0"/>
@@ -5973,33 +5753,75 @@
             </a:r>
           </a:p>
           <a:p>
+            <a:pPr lvl="1"/>
             <a:r>
               <a:rPr lang="fr-FR" dirty="0" smtClean="0"/>
-              <a:t>#</a:t>
+              <a:t>Avec </a:t>
             </a:r>
             <a:r>
               <a:rPr lang="fr-FR" dirty="0" err="1" smtClean="0"/>
-              <a:t>theta</a:t>
+              <a:t>slope</a:t>
             </a:r>
             <a:r>
               <a:rPr lang="fr-FR" dirty="0" smtClean="0"/>
-              <a:t> = (b, a) pour f=</a:t>
+              <a:t> = a de </a:t>
             </a:r>
             <a:r>
               <a:rPr lang="fr-FR" dirty="0" err="1" smtClean="0"/>
               <a:t>ax+b</a:t>
             </a:r>
-            <a:endParaRPr lang="fr-FR" dirty="0" smtClean="0"/>
-          </a:p>
-          <a:p>
-            <a:endParaRPr lang="fr-FR" dirty="0" smtClean="0"/>
+            <a:r>
+              <a:rPr lang="fr-FR" dirty="0" smtClean="0"/>
+              <a:t>, </a:t>
+            </a:r>
+            <a:r>
+              <a:rPr lang="fr-FR" dirty="0" err="1" smtClean="0"/>
+              <a:t>intercept</a:t>
+            </a:r>
+            <a:r>
+              <a:rPr lang="fr-FR" dirty="0" smtClean="0"/>
+              <a:t> = b, </a:t>
+            </a:r>
+            <a:r>
+              <a:rPr lang="fr-FR" dirty="0" err="1" smtClean="0"/>
+              <a:t>r_value</a:t>
+            </a:r>
+            <a:r>
+              <a:rPr lang="fr-FR" dirty="0" smtClean="0"/>
+              <a:t> le coefficient de corrélation</a:t>
+            </a:r>
+            <a:endParaRPr lang="fr-FR" dirty="0"/>
           </a:p>
         </p:txBody>
       </p:sp>
+      <p:pic>
+        <p:nvPicPr>
+          <p:cNvPr id="4" name="Image 3"/>
+          <p:cNvPicPr>
+            <a:picLocks noChangeAspect="1"/>
+          </p:cNvPicPr>
+          <p:nvPr/>
+        </p:nvPicPr>
+        <p:blipFill>
+          <a:blip r:embed="rId2"/>
+          <a:stretch>
+            <a:fillRect/>
+          </a:stretch>
+        </p:blipFill>
+        <p:spPr>
+          <a:xfrm>
+            <a:off x="4102472" y="265621"/>
+            <a:ext cx="2000250" cy="638175"/>
+          </a:xfrm>
+          <a:prstGeom prst="rect">
+            <a:avLst/>
+          </a:prstGeom>
+        </p:spPr>
+      </p:pic>
     </p:spTree>
     <p:extLst>
       <p:ext uri="{BB962C8B-B14F-4D97-AF65-F5344CB8AC3E}">
-        <p14:creationId xmlns:p14="http://schemas.microsoft.com/office/powerpoint/2010/main" val="3823422169"/>
+        <p14:creationId xmlns:p14="http://schemas.microsoft.com/office/powerpoint/2010/main" val="4289243332"/>
       </p:ext>
     </p:extLst>
   </p:cSld>
@@ -6073,42 +5895,6 @@
           <a:p>
             <a:r>
               <a:rPr lang="fr-FR" dirty="0" err="1" smtClean="0"/>
-              <a:t>SciPy</a:t>
-            </a:r>
-            <a:r>
-              <a:rPr lang="fr-FR" dirty="0" smtClean="0"/>
-              <a:t> contient des modules avancés dans plusieurs domaines</a:t>
-            </a:r>
-          </a:p>
-          <a:p>
-            <a:pPr lvl="1"/>
-            <a:r>
-              <a:rPr lang="fr-FR" dirty="0" smtClean="0"/>
-              <a:t>Basé sur </a:t>
-            </a:r>
-            <a:r>
-              <a:rPr lang="fr-FR" dirty="0" err="1" smtClean="0"/>
-              <a:t>NumPy</a:t>
-            </a:r>
-            <a:endParaRPr lang="fr-FR" dirty="0" smtClean="0"/>
-          </a:p>
-          <a:p>
-            <a:r>
-              <a:rPr lang="fr-FR" dirty="0" err="1" smtClean="0"/>
-              <a:t>Scipy.stats</a:t>
-            </a:r>
-            <a:endParaRPr lang="fr-FR" dirty="0" smtClean="0"/>
-          </a:p>
-          <a:p>
-            <a:pPr lvl="1"/>
-            <a:r>
-              <a:rPr lang="fr-FR" dirty="0" smtClean="0"/>
-              <a:t>Outils de statistiques</a:t>
-            </a:r>
-          </a:p>
-          <a:p>
-            <a:r>
-              <a:rPr lang="fr-FR" dirty="0" err="1" smtClean="0"/>
               <a:t>Linregress</a:t>
             </a:r>
             <a:endParaRPr lang="fr-FR" dirty="0" smtClean="0"/>
@@ -6128,68 +5914,106 @@
           <a:p>
             <a:pPr lvl="1"/>
             <a:r>
-              <a:rPr lang="fr-FR" dirty="0" err="1"/>
+              <a:rPr lang="fr-FR" sz="2000" dirty="0" err="1">
+                <a:latin typeface="Courier New" panose="02070309020205020404" pitchFamily="49" charset="0"/>
+                <a:cs typeface="Courier New" panose="02070309020205020404" pitchFamily="49" charset="0"/>
+              </a:rPr>
               <a:t>slope</a:t>
             </a:r>
             <a:r>
-              <a:rPr lang="fr-FR" dirty="0"/>
+              <a:rPr lang="fr-FR" sz="2000" dirty="0">
+                <a:latin typeface="Courier New" panose="02070309020205020404" pitchFamily="49" charset="0"/>
+                <a:cs typeface="Courier New" panose="02070309020205020404" pitchFamily="49" charset="0"/>
+              </a:rPr>
               <a:t>, </a:t>
             </a:r>
             <a:r>
-              <a:rPr lang="fr-FR" dirty="0" err="1"/>
+              <a:rPr lang="fr-FR" sz="2000" dirty="0" err="1">
+                <a:latin typeface="Courier New" panose="02070309020205020404" pitchFamily="49" charset="0"/>
+                <a:cs typeface="Courier New" panose="02070309020205020404" pitchFamily="49" charset="0"/>
+              </a:rPr>
               <a:t>intercept</a:t>
             </a:r>
             <a:r>
-              <a:rPr lang="fr-FR" dirty="0"/>
+              <a:rPr lang="fr-FR" sz="2000" dirty="0">
+                <a:latin typeface="Courier New" panose="02070309020205020404" pitchFamily="49" charset="0"/>
+                <a:cs typeface="Courier New" panose="02070309020205020404" pitchFamily="49" charset="0"/>
+              </a:rPr>
               <a:t>, </a:t>
             </a:r>
             <a:r>
-              <a:rPr lang="fr-FR" dirty="0" err="1"/>
+              <a:rPr lang="fr-FR" sz="2000" dirty="0" err="1">
+                <a:latin typeface="Courier New" panose="02070309020205020404" pitchFamily="49" charset="0"/>
+                <a:cs typeface="Courier New" panose="02070309020205020404" pitchFamily="49" charset="0"/>
+              </a:rPr>
               <a:t>r_value</a:t>
             </a:r>
             <a:r>
-              <a:rPr lang="fr-FR" dirty="0"/>
+              <a:rPr lang="fr-FR" sz="2000" dirty="0">
+                <a:latin typeface="Courier New" panose="02070309020205020404" pitchFamily="49" charset="0"/>
+                <a:cs typeface="Courier New" panose="02070309020205020404" pitchFamily="49" charset="0"/>
+              </a:rPr>
               <a:t>, </a:t>
             </a:r>
             <a:r>
-              <a:rPr lang="fr-FR" dirty="0" err="1"/>
+              <a:rPr lang="fr-FR" sz="2000" dirty="0" err="1">
+                <a:latin typeface="Courier New" panose="02070309020205020404" pitchFamily="49" charset="0"/>
+                <a:cs typeface="Courier New" panose="02070309020205020404" pitchFamily="49" charset="0"/>
+              </a:rPr>
               <a:t>p_value</a:t>
             </a:r>
             <a:r>
-              <a:rPr lang="fr-FR" dirty="0"/>
+              <a:rPr lang="fr-FR" sz="2000" dirty="0">
+                <a:latin typeface="Courier New" panose="02070309020205020404" pitchFamily="49" charset="0"/>
+                <a:cs typeface="Courier New" panose="02070309020205020404" pitchFamily="49" charset="0"/>
+              </a:rPr>
               <a:t>, </a:t>
             </a:r>
             <a:r>
-              <a:rPr lang="fr-FR" dirty="0" err="1"/>
+              <a:rPr lang="fr-FR" sz="2000" dirty="0" err="1">
+                <a:latin typeface="Courier New" panose="02070309020205020404" pitchFamily="49" charset="0"/>
+                <a:cs typeface="Courier New" panose="02070309020205020404" pitchFamily="49" charset="0"/>
+              </a:rPr>
               <a:t>std_err</a:t>
             </a:r>
             <a:r>
-              <a:rPr lang="fr-FR" dirty="0"/>
+              <a:rPr lang="fr-FR" sz="2000" dirty="0">
+                <a:latin typeface="Courier New" panose="02070309020205020404" pitchFamily="49" charset="0"/>
+                <a:cs typeface="Courier New" panose="02070309020205020404" pitchFamily="49" charset="0"/>
+              </a:rPr>
               <a:t> = </a:t>
             </a:r>
             <a:r>
-              <a:rPr lang="fr-FR" dirty="0" err="1"/>
+              <a:rPr lang="fr-FR" sz="2000" dirty="0" err="1">
+                <a:latin typeface="Courier New" panose="02070309020205020404" pitchFamily="49" charset="0"/>
+                <a:cs typeface="Courier New" panose="02070309020205020404" pitchFamily="49" charset="0"/>
+              </a:rPr>
               <a:t>stats.linregress</a:t>
             </a:r>
             <a:r>
-              <a:rPr lang="fr-FR" dirty="0"/>
+              <a:rPr lang="fr-FR" sz="2000" dirty="0">
+                <a:latin typeface="Courier New" panose="02070309020205020404" pitchFamily="49" charset="0"/>
+                <a:cs typeface="Courier New" panose="02070309020205020404" pitchFamily="49" charset="0"/>
+              </a:rPr>
               <a:t>(</a:t>
             </a:r>
             <a:r>
-              <a:rPr lang="fr-FR" dirty="0" err="1"/>
+              <a:rPr lang="fr-FR" sz="2000" dirty="0" err="1">
+                <a:latin typeface="Courier New" panose="02070309020205020404" pitchFamily="49" charset="0"/>
+                <a:cs typeface="Courier New" panose="02070309020205020404" pitchFamily="49" charset="0"/>
+              </a:rPr>
               <a:t>x,y</a:t>
             </a:r>
             <a:r>
-              <a:rPr lang="fr-FR" dirty="0" smtClean="0"/>
+              <a:rPr lang="fr-FR" sz="2000" dirty="0" smtClean="0">
+                <a:latin typeface="Courier New" panose="02070309020205020404" pitchFamily="49" charset="0"/>
+                <a:cs typeface="Courier New" panose="02070309020205020404" pitchFamily="49" charset="0"/>
+              </a:rPr>
               <a:t>)</a:t>
             </a:r>
           </a:p>
           <a:p>
             <a:pPr lvl="1"/>
-            <a:r>
-              <a:rPr lang="fr-FR" dirty="0" smtClean="0"/>
-              <a:t>Avec </a:t>
-            </a:r>
             <a:r>
               <a:rPr lang="fr-FR" dirty="0" err="1" smtClean="0"/>
               <a:t>slope</a:t>
@@ -6202,29 +6026,28 @@
               <a:rPr lang="fr-FR" dirty="0" err="1" smtClean="0"/>
               <a:t>ax+b</a:t>
             </a:r>
-            <a:r>
-              <a:rPr lang="fr-FR" dirty="0" smtClean="0"/>
-              <a:t>, </a:t>
-            </a:r>
+            <a:endParaRPr lang="fr-FR" dirty="0" smtClean="0"/>
+          </a:p>
+          <a:p>
+            <a:pPr lvl="1"/>
             <a:r>
               <a:rPr lang="fr-FR" dirty="0" err="1" smtClean="0"/>
               <a:t>intercept</a:t>
             </a:r>
             <a:r>
               <a:rPr lang="fr-FR" dirty="0" smtClean="0"/>
-              <a:t> </a:t>
-            </a:r>
-            <a:r>
-              <a:rPr lang="fr-FR" dirty="0" smtClean="0"/>
-              <a:t>= b, </a:t>
-            </a:r>
+              <a:t> = b</a:t>
+            </a:r>
+          </a:p>
+          <a:p>
+            <a:pPr lvl="1"/>
             <a:r>
               <a:rPr lang="fr-FR" dirty="0" err="1" smtClean="0"/>
               <a:t>r_value</a:t>
             </a:r>
             <a:r>
               <a:rPr lang="fr-FR" dirty="0" smtClean="0"/>
-              <a:t> le coefficient de corrélation</a:t>
+              <a:t> le coefficient de corrélation dont la valeur absolue doit être proche de 1</a:t>
             </a:r>
             <a:endParaRPr lang="fr-FR" dirty="0"/>
           </a:p>
@@ -6257,7 +6080,7 @@
     </p:spTree>
     <p:extLst>
       <p:ext uri="{BB962C8B-B14F-4D97-AF65-F5344CB8AC3E}">
-        <p14:creationId xmlns:p14="http://schemas.microsoft.com/office/powerpoint/2010/main" val="4289243332"/>
+        <p14:creationId xmlns:p14="http://schemas.microsoft.com/office/powerpoint/2010/main" val="731689593"/>
       </p:ext>
     </p:extLst>
   </p:cSld>

--- a/PPT/DataScience07-Numpy.pptx
+++ b/PPT/DataScience07-Numpy.pptx
@@ -5,10 +5,10 @@
     <p:sldMasterId id="2147483653" r:id="rId1"/>
   </p:sldMasterIdLst>
   <p:notesMasterIdLst>
-    <p:notesMasterId r:id="rId15"/>
+    <p:notesMasterId r:id="rId14"/>
   </p:notesMasterIdLst>
   <p:handoutMasterIdLst>
-    <p:handoutMasterId r:id="rId16"/>
+    <p:handoutMasterId r:id="rId15"/>
   </p:handoutMasterIdLst>
   <p:sldIdLst>
     <p:sldId id="264" r:id="rId2"/>
@@ -23,7 +23,6 @@
     <p:sldId id="280" r:id="rId11"/>
     <p:sldId id="281" r:id="rId12"/>
     <p:sldId id="282" r:id="rId13"/>
-    <p:sldId id="273" r:id="rId14"/>
   </p:sldIdLst>
   <p:sldSz cx="9144000" cy="6858000" type="screen4x3"/>
   <p:notesSz cx="6648450" cy="9782175"/>
@@ -616,35 +615,35 @@
           <a:p>
             <a:pPr lvl="0"/>
             <a:r>
-              <a:rPr lang="fr-FR" noProof="0" smtClean="0"/>
+              <a:rPr lang="fr-FR" noProof="0"/>
               <a:t>Cliquez pour modifier les styles du texte du masque</a:t>
             </a:r>
           </a:p>
           <a:p>
             <a:pPr lvl="1"/>
             <a:r>
-              <a:rPr lang="fr-FR" noProof="0" smtClean="0"/>
+              <a:rPr lang="fr-FR" noProof="0"/>
               <a:t>Deuxième niveau</a:t>
             </a:r>
           </a:p>
           <a:p>
             <a:pPr lvl="2"/>
             <a:r>
-              <a:rPr lang="fr-FR" noProof="0" smtClean="0"/>
+              <a:rPr lang="fr-FR" noProof="0"/>
               <a:t>Troisième niveau</a:t>
             </a:r>
           </a:p>
           <a:p>
             <a:pPr lvl="3"/>
             <a:r>
-              <a:rPr lang="fr-FR" noProof="0" smtClean="0"/>
+              <a:rPr lang="fr-FR" noProof="0"/>
               <a:t>Quatrième niveau</a:t>
             </a:r>
           </a:p>
           <a:p>
             <a:pPr lvl="4"/>
             <a:r>
-              <a:rPr lang="fr-FR" noProof="0" smtClean="0"/>
+              <a:rPr lang="fr-FR" noProof="0"/>
               <a:t>Cinquième niveau</a:t>
             </a:r>
           </a:p>
@@ -932,10 +931,9 @@
           <a:lstStyle/>
           <a:p>
             <a:r>
-              <a:rPr lang="fr-FR" smtClean="0"/>
+              <a:rPr lang="fr-FR"/>
               <a:t>Cliquez pour modifier le style du titre</a:t>
             </a:r>
-            <a:endParaRPr lang="fr-FR"/>
           </a:p>
         </p:txBody>
       </p:sp>
@@ -997,10 +995,9 @@
           </a:lstStyle>
           <a:p>
             <a:r>
-              <a:rPr lang="fr-FR" smtClean="0"/>
+              <a:rPr lang="fr-FR"/>
               <a:t>Cliquez pour modifier le style des sous-titres du masque</a:t>
             </a:r>
-            <a:endParaRPr lang="fr-FR"/>
           </a:p>
         </p:txBody>
       </p:sp>
@@ -1055,10 +1052,9 @@
           <a:lstStyle/>
           <a:p>
             <a:r>
-              <a:rPr lang="fr-FR" smtClean="0"/>
+              <a:rPr lang="fr-FR"/>
               <a:t>Cliquez pour modifier le style du titre</a:t>
             </a:r>
-            <a:endParaRPr lang="fr-FR"/>
           </a:p>
         </p:txBody>
       </p:sp>
@@ -1084,38 +1080,37 @@
           <a:p>
             <a:pPr lvl="0"/>
             <a:r>
-              <a:rPr lang="fr-FR" smtClean="0"/>
+              <a:rPr lang="fr-FR"/>
               <a:t>Cliquez pour modifier les styles du texte du masque</a:t>
             </a:r>
           </a:p>
           <a:p>
             <a:pPr lvl="1"/>
             <a:r>
-              <a:rPr lang="fr-FR" smtClean="0"/>
+              <a:rPr lang="fr-FR"/>
               <a:t>Deuxième niveau</a:t>
             </a:r>
           </a:p>
           <a:p>
             <a:pPr lvl="2"/>
             <a:r>
-              <a:rPr lang="fr-FR" smtClean="0"/>
+              <a:rPr lang="fr-FR"/>
               <a:t>Troisième niveau</a:t>
             </a:r>
           </a:p>
           <a:p>
             <a:pPr lvl="3"/>
             <a:r>
-              <a:rPr lang="fr-FR" smtClean="0"/>
+              <a:rPr lang="fr-FR"/>
               <a:t>Quatrième niveau</a:t>
             </a:r>
           </a:p>
           <a:p>
             <a:pPr lvl="4"/>
             <a:r>
-              <a:rPr lang="fr-FR" smtClean="0"/>
+              <a:rPr lang="fr-FR"/>
               <a:t>Cinquième niveau</a:t>
             </a:r>
-            <a:endParaRPr lang="fr-FR"/>
           </a:p>
         </p:txBody>
       </p:sp>
@@ -1174,10 +1169,9 @@
           </a:lstStyle>
           <a:p>
             <a:r>
-              <a:rPr lang="fr-FR" dirty="0" smtClean="0"/>
+              <a:rPr lang="fr-FR" dirty="0"/>
               <a:t>Cliquez pour modifier le style du titre</a:t>
             </a:r>
-            <a:endParaRPr lang="fr-FR" dirty="0"/>
           </a:p>
         </p:txBody>
       </p:sp>
@@ -1203,38 +1197,37 @@
           <a:p>
             <a:pPr lvl="0"/>
             <a:r>
-              <a:rPr lang="fr-FR" dirty="0" smtClean="0"/>
+              <a:rPr lang="fr-FR" dirty="0"/>
               <a:t>Cliquez pour modifier les styles du texte du masque</a:t>
             </a:r>
           </a:p>
           <a:p>
             <a:pPr lvl="1"/>
             <a:r>
-              <a:rPr lang="fr-FR" dirty="0" smtClean="0"/>
+              <a:rPr lang="fr-FR" dirty="0"/>
               <a:t>Deuxième niveau</a:t>
             </a:r>
           </a:p>
           <a:p>
             <a:pPr lvl="2"/>
             <a:r>
-              <a:rPr lang="fr-FR" dirty="0" smtClean="0"/>
+              <a:rPr lang="fr-FR" dirty="0"/>
               <a:t>Troisième niveau</a:t>
             </a:r>
           </a:p>
           <a:p>
             <a:pPr lvl="3"/>
             <a:r>
-              <a:rPr lang="fr-FR" dirty="0" smtClean="0"/>
+              <a:rPr lang="fr-FR" dirty="0"/>
               <a:t>Quatrième niveau</a:t>
             </a:r>
           </a:p>
           <a:p>
             <a:pPr lvl="4"/>
             <a:r>
-              <a:rPr lang="fr-FR" dirty="0" smtClean="0"/>
+              <a:rPr lang="fr-FR" dirty="0"/>
               <a:t>Cinquième niveau</a:t>
             </a:r>
-            <a:endParaRPr lang="fr-FR" dirty="0"/>
           </a:p>
         </p:txBody>
       </p:sp>
@@ -1284,10 +1277,9 @@
           <a:lstStyle/>
           <a:p>
             <a:r>
-              <a:rPr lang="fr-FR" smtClean="0"/>
+              <a:rPr lang="fr-FR"/>
               <a:t>Cliquez pour modifier le style du titre</a:t>
             </a:r>
-            <a:endParaRPr lang="fr-FR"/>
           </a:p>
         </p:txBody>
       </p:sp>
@@ -1341,38 +1333,37 @@
           <a:p>
             <a:pPr lvl="0"/>
             <a:r>
-              <a:rPr lang="fr-FR" smtClean="0"/>
+              <a:rPr lang="fr-FR"/>
               <a:t>Cliquez pour modifier les styles du texte du masque</a:t>
             </a:r>
           </a:p>
           <a:p>
             <a:pPr lvl="1"/>
             <a:r>
-              <a:rPr lang="fr-FR" smtClean="0"/>
+              <a:rPr lang="fr-FR"/>
               <a:t>Deuxième niveau</a:t>
             </a:r>
           </a:p>
           <a:p>
             <a:pPr lvl="2"/>
             <a:r>
-              <a:rPr lang="fr-FR" smtClean="0"/>
+              <a:rPr lang="fr-FR"/>
               <a:t>Troisième niveau</a:t>
             </a:r>
           </a:p>
           <a:p>
             <a:pPr lvl="3"/>
             <a:r>
-              <a:rPr lang="fr-FR" smtClean="0"/>
+              <a:rPr lang="fr-FR"/>
               <a:t>Quatrième niveau</a:t>
             </a:r>
           </a:p>
           <a:p>
             <a:pPr lvl="4"/>
             <a:r>
-              <a:rPr lang="fr-FR" smtClean="0"/>
+              <a:rPr lang="fr-FR"/>
               <a:t>Cinquième niveau</a:t>
             </a:r>
-            <a:endParaRPr lang="fr-FR"/>
           </a:p>
         </p:txBody>
       </p:sp>
@@ -1426,38 +1417,37 @@
           <a:p>
             <a:pPr lvl="0"/>
             <a:r>
-              <a:rPr lang="fr-FR" smtClean="0"/>
+              <a:rPr lang="fr-FR"/>
               <a:t>Cliquez pour modifier les styles du texte du masque</a:t>
             </a:r>
           </a:p>
           <a:p>
             <a:pPr lvl="1"/>
             <a:r>
-              <a:rPr lang="fr-FR" smtClean="0"/>
+              <a:rPr lang="fr-FR"/>
               <a:t>Deuxième niveau</a:t>
             </a:r>
           </a:p>
           <a:p>
             <a:pPr lvl="2"/>
             <a:r>
-              <a:rPr lang="fr-FR" smtClean="0"/>
+              <a:rPr lang="fr-FR"/>
               <a:t>Troisième niveau</a:t>
             </a:r>
           </a:p>
           <a:p>
             <a:pPr lvl="3"/>
             <a:r>
-              <a:rPr lang="fr-FR" smtClean="0"/>
+              <a:rPr lang="fr-FR"/>
               <a:t>Quatrième niveau</a:t>
             </a:r>
           </a:p>
           <a:p>
             <a:pPr lvl="4"/>
             <a:r>
-              <a:rPr lang="fr-FR" smtClean="0"/>
+              <a:rPr lang="fr-FR"/>
               <a:t>Cinquième niveau</a:t>
             </a:r>
-            <a:endParaRPr lang="fr-FR"/>
           </a:p>
         </p:txBody>
       </p:sp>
@@ -1516,10 +1506,9 @@
           </a:lstStyle>
           <a:p>
             <a:r>
-              <a:rPr lang="fr-FR" smtClean="0"/>
+              <a:rPr lang="fr-FR"/>
               <a:t>Cliquez pour modifier le style du titre</a:t>
             </a:r>
-            <a:endParaRPr lang="fr-FR"/>
           </a:p>
         </p:txBody>
       </p:sp>
@@ -1582,7 +1571,7 @@
           <a:p>
             <a:pPr lvl="0"/>
             <a:r>
-              <a:rPr lang="fr-FR" smtClean="0"/>
+              <a:rPr lang="fr-FR"/>
               <a:t>Cliquez pour modifier les styles du texte du masque</a:t>
             </a:r>
           </a:p>
@@ -1638,38 +1627,37 @@
           <a:p>
             <a:pPr lvl="0"/>
             <a:r>
-              <a:rPr lang="fr-FR" smtClean="0"/>
+              <a:rPr lang="fr-FR"/>
               <a:t>Cliquez pour modifier les styles du texte du masque</a:t>
             </a:r>
           </a:p>
           <a:p>
             <a:pPr lvl="1"/>
             <a:r>
-              <a:rPr lang="fr-FR" smtClean="0"/>
+              <a:rPr lang="fr-FR"/>
               <a:t>Deuxième niveau</a:t>
             </a:r>
           </a:p>
           <a:p>
             <a:pPr lvl="2"/>
             <a:r>
-              <a:rPr lang="fr-FR" smtClean="0"/>
+              <a:rPr lang="fr-FR"/>
               <a:t>Troisième niveau</a:t>
             </a:r>
           </a:p>
           <a:p>
             <a:pPr lvl="3"/>
             <a:r>
-              <a:rPr lang="fr-FR" smtClean="0"/>
+              <a:rPr lang="fr-FR"/>
               <a:t>Quatrième niveau</a:t>
             </a:r>
           </a:p>
           <a:p>
             <a:pPr lvl="4"/>
             <a:r>
-              <a:rPr lang="fr-FR" smtClean="0"/>
+              <a:rPr lang="fr-FR"/>
               <a:t>Cinquième niveau</a:t>
             </a:r>
-            <a:endParaRPr lang="fr-FR"/>
           </a:p>
         </p:txBody>
       </p:sp>
@@ -1732,7 +1720,7 @@
           <a:p>
             <a:pPr lvl="0"/>
             <a:r>
-              <a:rPr lang="fr-FR" smtClean="0"/>
+              <a:rPr lang="fr-FR"/>
               <a:t>Cliquez pour modifier les styles du texte du masque</a:t>
             </a:r>
           </a:p>
@@ -1788,38 +1776,37 @@
           <a:p>
             <a:pPr lvl="0"/>
             <a:r>
-              <a:rPr lang="fr-FR" smtClean="0"/>
+              <a:rPr lang="fr-FR"/>
               <a:t>Cliquez pour modifier les styles du texte du masque</a:t>
             </a:r>
           </a:p>
           <a:p>
             <a:pPr lvl="1"/>
             <a:r>
-              <a:rPr lang="fr-FR" smtClean="0"/>
+              <a:rPr lang="fr-FR"/>
               <a:t>Deuxième niveau</a:t>
             </a:r>
           </a:p>
           <a:p>
             <a:pPr lvl="2"/>
             <a:r>
-              <a:rPr lang="fr-FR" smtClean="0"/>
+              <a:rPr lang="fr-FR"/>
               <a:t>Troisième niveau</a:t>
             </a:r>
           </a:p>
           <a:p>
             <a:pPr lvl="3"/>
             <a:r>
-              <a:rPr lang="fr-FR" smtClean="0"/>
+              <a:rPr lang="fr-FR"/>
               <a:t>Quatrième niveau</a:t>
             </a:r>
           </a:p>
           <a:p>
             <a:pPr lvl="4"/>
             <a:r>
-              <a:rPr lang="fr-FR" smtClean="0"/>
+              <a:rPr lang="fr-FR"/>
               <a:t>Cinquième niveau</a:t>
             </a:r>
-            <a:endParaRPr lang="fr-FR"/>
           </a:p>
         </p:txBody>
       </p:sp>
@@ -1869,10 +1856,9 @@
           <a:lstStyle/>
           <a:p>
             <a:r>
-              <a:rPr lang="fr-FR" smtClean="0"/>
+              <a:rPr lang="fr-FR"/>
               <a:t>Cliquez pour modifier le style du titre</a:t>
             </a:r>
-            <a:endParaRPr lang="fr-FR"/>
           </a:p>
         </p:txBody>
       </p:sp>
@@ -1961,10 +1947,9 @@
           </a:lstStyle>
           <a:p>
             <a:r>
-              <a:rPr lang="fr-FR" smtClean="0"/>
+              <a:rPr lang="fr-FR"/>
               <a:t>Cliquez pour modifier le style du titre</a:t>
             </a:r>
-            <a:endParaRPr lang="fr-FR"/>
           </a:p>
         </p:txBody>
       </p:sp>
@@ -2018,38 +2003,37 @@
           <a:p>
             <a:pPr lvl="0"/>
             <a:r>
-              <a:rPr lang="fr-FR" smtClean="0"/>
+              <a:rPr lang="fr-FR"/>
               <a:t>Cliquez pour modifier les styles du texte du masque</a:t>
             </a:r>
           </a:p>
           <a:p>
             <a:pPr lvl="1"/>
             <a:r>
-              <a:rPr lang="fr-FR" smtClean="0"/>
+              <a:rPr lang="fr-FR"/>
               <a:t>Deuxième niveau</a:t>
             </a:r>
           </a:p>
           <a:p>
             <a:pPr lvl="2"/>
             <a:r>
-              <a:rPr lang="fr-FR" smtClean="0"/>
+              <a:rPr lang="fr-FR"/>
               <a:t>Troisième niveau</a:t>
             </a:r>
           </a:p>
           <a:p>
             <a:pPr lvl="3"/>
             <a:r>
-              <a:rPr lang="fr-FR" smtClean="0"/>
+              <a:rPr lang="fr-FR"/>
               <a:t>Quatrième niveau</a:t>
             </a:r>
           </a:p>
           <a:p>
             <a:pPr lvl="4"/>
             <a:r>
-              <a:rPr lang="fr-FR" smtClean="0"/>
+              <a:rPr lang="fr-FR"/>
               <a:t>Cinquième niveau</a:t>
             </a:r>
-            <a:endParaRPr lang="fr-FR"/>
           </a:p>
         </p:txBody>
       </p:sp>
@@ -2112,7 +2096,7 @@
           <a:p>
             <a:pPr lvl="0"/>
             <a:r>
-              <a:rPr lang="fr-FR" smtClean="0"/>
+              <a:rPr lang="fr-FR"/>
               <a:t>Cliquez pour modifier les styles du texte du masque</a:t>
             </a:r>
           </a:p>
@@ -2173,10 +2157,9 @@
           </a:lstStyle>
           <a:p>
             <a:r>
-              <a:rPr lang="fr-FR" smtClean="0"/>
+              <a:rPr lang="fr-FR"/>
               <a:t>Cliquez pour modifier le style du titre</a:t>
             </a:r>
-            <a:endParaRPr lang="fr-FR"/>
           </a:p>
         </p:txBody>
       </p:sp>
@@ -2238,7 +2221,7 @@
           </a:lstStyle>
           <a:p>
             <a:pPr lvl="0"/>
-            <a:endParaRPr lang="fr-FR" noProof="0" smtClean="0"/>
+            <a:endParaRPr lang="fr-FR" noProof="0"/>
           </a:p>
         </p:txBody>
       </p:sp>
@@ -2301,7 +2284,7 @@
           <a:p>
             <a:pPr lvl="0"/>
             <a:r>
-              <a:rPr lang="fr-FR" smtClean="0"/>
+              <a:rPr lang="fr-FR"/>
               <a:t>Cliquez pour modifier les styles du texte du masque</a:t>
             </a:r>
           </a:p>
@@ -2353,10 +2336,9 @@
           <a:lstStyle/>
           <a:p>
             <a:r>
-              <a:rPr lang="fr-FR" smtClean="0"/>
+              <a:rPr lang="fr-FR"/>
               <a:t>Cliquez pour modifier le style du titre</a:t>
             </a:r>
-            <a:endParaRPr lang="fr-FR"/>
           </a:p>
         </p:txBody>
       </p:sp>
@@ -2377,38 +2359,37 @@
           <a:p>
             <a:pPr lvl="0"/>
             <a:r>
-              <a:rPr lang="fr-FR" smtClean="0"/>
+              <a:rPr lang="fr-FR"/>
               <a:t>Cliquez pour modifier les styles du texte du masque</a:t>
             </a:r>
           </a:p>
           <a:p>
             <a:pPr lvl="1"/>
             <a:r>
-              <a:rPr lang="fr-FR" smtClean="0"/>
+              <a:rPr lang="fr-FR"/>
               <a:t>Deuxième niveau</a:t>
             </a:r>
           </a:p>
           <a:p>
             <a:pPr lvl="2"/>
             <a:r>
-              <a:rPr lang="fr-FR" smtClean="0"/>
+              <a:rPr lang="fr-FR"/>
               <a:t>Troisième niveau</a:t>
             </a:r>
           </a:p>
           <a:p>
             <a:pPr lvl="3"/>
             <a:r>
-              <a:rPr lang="fr-FR" smtClean="0"/>
+              <a:rPr lang="fr-FR"/>
               <a:t>Quatrième niveau</a:t>
             </a:r>
           </a:p>
           <a:p>
             <a:pPr lvl="4"/>
             <a:r>
-              <a:rPr lang="fr-FR" smtClean="0"/>
+              <a:rPr lang="fr-FR"/>
               <a:t>Cinquième niveau</a:t>
             </a:r>
-            <a:endParaRPr lang="fr-FR"/>
           </a:p>
         </p:txBody>
       </p:sp>
@@ -2589,7 +2570,7 @@
             <a:pPr eaLnBrk="1" hangingPunct="1">
               <a:defRPr/>
             </a:pPr>
-            <a:endParaRPr lang="fr-FR" altLang="fr-FR" smtClean="0"/>
+            <a:endParaRPr lang="fr-FR" altLang="fr-FR"/>
           </a:p>
         </p:txBody>
       </p:sp>
@@ -2743,7 +2724,7 @@
               <a:defRPr/>
             </a:pPr>
             <a:r>
-              <a:rPr lang="fr-FR" sz="1200" dirty="0" smtClean="0"/>
+              <a:rPr lang="fr-FR" sz="1200" dirty="0"/>
               <a:t>Page </a:t>
             </a:r>
             <a:fld id="{E218E9B1-FD08-4C80-902E-210BA2967D0D}" type="slidenum">
@@ -2756,7 +2737,7 @@
               </a:pPr>
               <a:t>‹N°›</a:t>
             </a:fld>
-            <a:endParaRPr lang="fr-FR" dirty="0" smtClean="0">
+            <a:endParaRPr lang="fr-FR" dirty="0">
               <a:latin typeface="Times New Roman" pitchFamily="18" charset="0"/>
             </a:endParaRPr>
           </a:p>
@@ -2912,10 +2893,10 @@
               <a:defRPr/>
             </a:pPr>
             <a:r>
-              <a:rPr lang="fr-FR" sz="1600" dirty="0" smtClean="0"/>
+              <a:rPr lang="fr-FR" sz="1600" dirty="0"/>
               <a:t>Python</a:t>
             </a:r>
-            <a:endParaRPr lang="fr-FR" dirty="0" smtClean="0">
+            <a:endParaRPr lang="fr-FR" dirty="0">
               <a:latin typeface="Times New Roman" pitchFamily="18" charset="0"/>
             </a:endParaRPr>
           </a:p>
@@ -2973,7 +2954,7 @@
           <a:p>
             <a:pPr lvl="0"/>
             <a:r>
-              <a:rPr lang="fr-FR" altLang="fr-FR" smtClean="0"/>
+              <a:rPr lang="fr-FR" altLang="fr-FR"/>
               <a:t>Cliquez pour modifier le style du titre du masque</a:t>
             </a:r>
           </a:p>
@@ -3031,35 +3012,35 @@
           <a:p>
             <a:pPr lvl="0"/>
             <a:r>
-              <a:rPr lang="fr-FR" altLang="fr-FR" smtClean="0"/>
+              <a:rPr lang="fr-FR" altLang="fr-FR"/>
               <a:t>Cliquez pour modifier les styles du texte du masque</a:t>
             </a:r>
           </a:p>
           <a:p>
             <a:pPr lvl="1"/>
             <a:r>
-              <a:rPr lang="fr-FR" altLang="fr-FR" smtClean="0"/>
+              <a:rPr lang="fr-FR" altLang="fr-FR"/>
               <a:t>Deuxième niveau</a:t>
             </a:r>
           </a:p>
           <a:p>
             <a:pPr lvl="2"/>
             <a:r>
-              <a:rPr lang="fr-FR" altLang="fr-FR" smtClean="0"/>
+              <a:rPr lang="fr-FR" altLang="fr-FR"/>
               <a:t>Troisième niveau</a:t>
             </a:r>
           </a:p>
           <a:p>
             <a:pPr lvl="3"/>
             <a:r>
-              <a:rPr lang="fr-FR" altLang="fr-FR" smtClean="0"/>
+              <a:rPr lang="fr-FR" altLang="fr-FR"/>
               <a:t>Quatrième niveau</a:t>
             </a:r>
           </a:p>
           <a:p>
             <a:pPr lvl="4"/>
             <a:r>
-              <a:rPr lang="fr-FR" altLang="fr-FR" smtClean="0"/>
+              <a:rPr lang="fr-FR" altLang="fr-FR"/>
               <a:t>Cinquième niveau</a:t>
             </a:r>
           </a:p>
@@ -3215,10 +3196,10 @@
               <a:defRPr/>
             </a:pPr>
             <a:r>
-              <a:rPr lang="fr-FR" sz="1200" smtClean="0"/>
+              <a:rPr lang="fr-FR" sz="1200"/>
               <a:t>© Cyril Vincent Conseil</a:t>
             </a:r>
-            <a:endParaRPr lang="fr-FR" smtClean="0">
+            <a:endParaRPr lang="fr-FR">
               <a:latin typeface="Times New Roman" pitchFamily="18" charset="0"/>
             </a:endParaRPr>
           </a:p>
@@ -3700,17 +3681,17 @@
           <a:p>
             <a:pPr eaLnBrk="1" hangingPunct="1"/>
             <a:r>
-              <a:rPr lang="fr-FR" altLang="fr-FR" dirty="0" smtClean="0"/>
+              <a:rPr lang="fr-FR" altLang="fr-FR" dirty="0"/>
               <a:t>Chapitre 7</a:t>
             </a:r>
           </a:p>
           <a:p>
             <a:pPr eaLnBrk="1" hangingPunct="1"/>
             <a:r>
-              <a:rPr lang="fr-FR" altLang="fr-FR" dirty="0" err="1" smtClean="0"/>
+              <a:rPr lang="fr-FR" altLang="fr-FR" dirty="0" err="1"/>
               <a:t>Numpy</a:t>
             </a:r>
-            <a:endParaRPr lang="fr-FR" altLang="fr-FR" dirty="0" smtClean="0"/>
+            <a:endParaRPr lang="fr-FR" altLang="fr-FR" dirty="0"/>
           </a:p>
         </p:txBody>
       </p:sp>
@@ -3761,10 +3742,9 @@
           <a:lstStyle/>
           <a:p>
             <a:r>
-              <a:rPr lang="fr-FR" sz="3600" dirty="0" smtClean="0"/>
+              <a:rPr lang="fr-FR" sz="3600" dirty="0"/>
               <a:t>Data Science</a:t>
             </a:r>
-            <a:endParaRPr lang="fr-FR" sz="3600" dirty="0"/>
           </a:p>
         </p:txBody>
       </p:sp>
@@ -3773,13 +3753,6 @@
   <p:clrMapOvr>
     <a:masterClrMapping/>
   </p:clrMapOvr>
-  <p:timing>
-    <p:tnLst>
-      <p:par>
-        <p:cTn id="1" dur="indefinite" restart="never" nodeType="tmRoot"/>
-      </p:par>
-    </p:tnLst>
-  </p:timing>
 </p:sld>
 </file>
 
@@ -3816,10 +3789,9 @@
           <a:lstStyle/>
           <a:p>
             <a:r>
-              <a:rPr lang="fr-FR" dirty="0" smtClean="0"/>
+              <a:rPr lang="fr-FR" dirty="0"/>
               <a:t>Interprétation des résultats</a:t>
             </a:r>
-            <a:endParaRPr lang="fr-FR" dirty="0"/>
           </a:p>
         </p:txBody>
       </p:sp>
@@ -3839,42 +3811,42 @@
           <a:lstStyle/>
           <a:p>
             <a:r>
-              <a:rPr lang="fr-FR" dirty="0" smtClean="0"/>
+              <a:rPr lang="fr-FR" dirty="0"/>
               <a:t>Avec </a:t>
             </a:r>
             <a:r>
-              <a:rPr lang="fr-FR" dirty="0" err="1" smtClean="0"/>
+              <a:rPr lang="fr-FR" dirty="0" err="1"/>
               <a:t>SciPy</a:t>
             </a:r>
             <a:r>
-              <a:rPr lang="fr-FR" dirty="0" smtClean="0"/>
+              <a:rPr lang="fr-FR" dirty="0"/>
               <a:t> nous obtenons</a:t>
             </a:r>
           </a:p>
           <a:p>
             <a:pPr lvl="1"/>
             <a:r>
-              <a:rPr lang="fr-FR" dirty="0" smtClean="0"/>
+              <a:rPr lang="fr-FR" dirty="0"/>
               <a:t>Loyer = 41.Surface – 283</a:t>
             </a:r>
           </a:p>
           <a:p>
             <a:pPr lvl="1"/>
             <a:r>
-              <a:rPr lang="fr-FR" dirty="0" smtClean="0"/>
+              <a:rPr lang="fr-FR" dirty="0"/>
               <a:t>Corrélation = 90.7% (TB)</a:t>
             </a:r>
           </a:p>
           <a:p>
             <a:pPr lvl="1"/>
             <a:r>
-              <a:rPr lang="fr-FR" dirty="0" smtClean="0"/>
+              <a:rPr lang="fr-FR" dirty="0"/>
               <a:t>Risque moyen = 511</a:t>
             </a:r>
           </a:p>
           <a:p>
             <a:r>
-              <a:rPr lang="fr-FR" dirty="0" smtClean="0"/>
+              <a:rPr lang="fr-FR" dirty="0"/>
               <a:t>Dans le précédent chapitre nous avions</a:t>
             </a:r>
           </a:p>
@@ -3882,17 +3854,13 @@
             <a:pPr lvl="1"/>
             <a:r>
               <a:rPr lang="fr-FR" dirty="0"/>
-              <a:t>Loyer = </a:t>
-            </a:r>
-            <a:r>
-              <a:rPr lang="fr-FR" dirty="0" smtClean="0"/>
-              <a:t>41.Surface - 286</a:t>
+              <a:t>Loyer = 41.Surface - 286</a:t>
             </a:r>
           </a:p>
           <a:p>
             <a:pPr lvl="1"/>
             <a:r>
-              <a:rPr lang="fr-FR" dirty="0" smtClean="0"/>
+              <a:rPr lang="fr-FR" dirty="0"/>
               <a:t>Risque moyen = 911</a:t>
             </a:r>
           </a:p>
@@ -3901,7 +3869,7 @@
           </a:p>
           <a:p>
             <a:pPr lvl="1"/>
-            <a:endParaRPr lang="fr-FR" dirty="0" smtClean="0"/>
+            <a:endParaRPr lang="fr-FR" dirty="0"/>
           </a:p>
           <a:p>
             <a:pPr lvl="1"/>
@@ -3967,13 +3935,6 @@
   <p:clrMapOvr>
     <a:masterClrMapping/>
   </p:clrMapOvr>
-  <p:timing>
-    <p:tnLst>
-      <p:par>
-        <p:cTn id="1" dur="indefinite" restart="never" nodeType="tmRoot"/>
-      </p:par>
-    </p:tnLst>
-  </p:timing>
 </p:sld>
 </file>
 
@@ -4010,10 +3971,9 @@
           <a:lstStyle/>
           <a:p>
             <a:r>
-              <a:rPr lang="fr-FR" dirty="0" smtClean="0"/>
+              <a:rPr lang="fr-FR" dirty="0"/>
               <a:t>Interprétation après filtrage</a:t>
             </a:r>
-            <a:endParaRPr lang="fr-FR" dirty="0"/>
           </a:p>
         </p:txBody>
       </p:sp>
@@ -4049,40 +4009,22 @@
             <a:pPr lvl="1"/>
             <a:r>
               <a:rPr lang="fr-FR" dirty="0"/>
-              <a:t>Loyer = </a:t>
-            </a:r>
-            <a:r>
-              <a:rPr lang="fr-FR" dirty="0" smtClean="0"/>
-              <a:t>31.7.Surface + 206</a:t>
-            </a:r>
-            <a:endParaRPr lang="fr-FR" dirty="0"/>
+              <a:t>Loyer = 31.7.Surface + 206</a:t>
+            </a:r>
           </a:p>
           <a:p>
             <a:pPr lvl="1"/>
             <a:r>
               <a:rPr lang="fr-FR" dirty="0"/>
-              <a:t>Corrélation = </a:t>
-            </a:r>
-            <a:r>
-              <a:rPr lang="fr-FR" dirty="0" smtClean="0"/>
-              <a:t>92.9% </a:t>
-            </a:r>
-            <a:r>
-              <a:rPr lang="fr-FR" dirty="0"/>
-              <a:t>(TB)</a:t>
+              <a:t>Corrélation = 92.9% (TB)</a:t>
             </a:r>
           </a:p>
           <a:p>
             <a:pPr lvl="1"/>
             <a:r>
               <a:rPr lang="fr-FR" dirty="0"/>
-              <a:t>Risque moyen = </a:t>
-            </a:r>
-            <a:r>
-              <a:rPr lang="fr-FR" dirty="0" smtClean="0"/>
-              <a:t>412</a:t>
-            </a:r>
-            <a:endParaRPr lang="fr-FR" dirty="0"/>
+              <a:t>Risque moyen = 412</a:t>
+            </a:r>
           </a:p>
           <a:p>
             <a:r>
@@ -4094,29 +4036,19 @@
             <a:pPr lvl="1"/>
             <a:r>
               <a:rPr lang="fr-FR" dirty="0"/>
-              <a:t>Loyer = </a:t>
-            </a:r>
-            <a:r>
-              <a:rPr lang="fr-FR" dirty="0" smtClean="0"/>
-              <a:t>36.Surface - 201</a:t>
-            </a:r>
-            <a:endParaRPr lang="fr-FR" dirty="0"/>
+              <a:t>Loyer = 36.Surface - 201</a:t>
+            </a:r>
           </a:p>
           <a:p>
             <a:pPr lvl="1"/>
             <a:r>
               <a:rPr lang="fr-FR" dirty="0"/>
-              <a:t>Risque moyen = </a:t>
-            </a:r>
-            <a:r>
-              <a:rPr lang="fr-FR" dirty="0" smtClean="0"/>
-              <a:t>530</a:t>
-            </a:r>
-            <a:endParaRPr lang="fr-FR" dirty="0"/>
-          </a:p>
-          <a:p>
-            <a:r>
-              <a:rPr lang="fr-FR" smtClean="0"/>
+              <a:t>Risque moyen = 530</a:t>
+            </a:r>
+          </a:p>
+          <a:p>
+            <a:r>
+              <a:rPr lang="fr-FR"/>
               <a:t>Meilleur résultat</a:t>
             </a:r>
             <a:endParaRPr lang="fr-FR" dirty="0"/>
@@ -4181,13 +4113,6 @@
   <p:clrMapOvr>
     <a:masterClrMapping/>
   </p:clrMapOvr>
-  <p:timing>
-    <p:tnLst>
-      <p:par>
-        <p:cTn id="1" dur="indefinite" restart="never" nodeType="tmRoot"/>
-      </p:par>
-    </p:tnLst>
-  </p:timing>
 </p:sld>
 </file>
 
@@ -4224,10 +4149,9 @@
           <a:lstStyle/>
           <a:p>
             <a:r>
-              <a:rPr lang="fr-FR" dirty="0" smtClean="0"/>
+              <a:rPr lang="fr-FR" dirty="0"/>
               <a:t>Les nombres complexes</a:t>
             </a:r>
-            <a:endParaRPr lang="fr-FR" dirty="0"/>
           </a:p>
         </p:txBody>
       </p:sp>
@@ -4248,54 +4172,38 @@
           <a:p>
             <a:r>
               <a:rPr lang="fr-FR" dirty="0"/>
-              <a:t>j</a:t>
-            </a:r>
-            <a:r>
-              <a:rPr lang="fr-FR" dirty="0" smtClean="0"/>
-              <a:t>² = -1</a:t>
-            </a:r>
-          </a:p>
-          <a:p>
-            <a:r>
-              <a:rPr lang="fr-FR" dirty="0"/>
-              <a:t>x</a:t>
-            </a:r>
-            <a:r>
-              <a:rPr lang="fr-FR" dirty="0" smtClean="0"/>
-              <a:t> = 2j + 3</a:t>
+              <a:t>j² = -1</a:t>
+            </a:r>
+          </a:p>
+          <a:p>
+            <a:r>
+              <a:rPr lang="fr-FR" dirty="0"/>
+              <a:t>x = 2j + 3</a:t>
             </a:r>
           </a:p>
           <a:p>
             <a:r>
               <a:rPr lang="fr-FR" dirty="0" err="1"/>
-              <a:t>n</a:t>
-            </a:r>
-            <a:r>
-              <a:rPr lang="fr-FR" dirty="0" err="1" smtClean="0"/>
-              <a:t>p.real</a:t>
-            </a:r>
-            <a:r>
-              <a:rPr lang="fr-FR" dirty="0" smtClean="0"/>
+              <a:t>np.real</a:t>
+            </a:r>
+            <a:r>
+              <a:rPr lang="fr-FR" dirty="0"/>
               <a:t>(x) donne 3</a:t>
             </a:r>
           </a:p>
           <a:p>
             <a:r>
               <a:rPr lang="fr-FR" dirty="0" err="1"/>
-              <a:t>n</a:t>
-            </a:r>
-            <a:r>
-              <a:rPr lang="fr-FR" dirty="0" err="1" smtClean="0"/>
-              <a:t>p.imag</a:t>
-            </a:r>
-            <a:r>
-              <a:rPr lang="fr-FR" dirty="0" smtClean="0"/>
+              <a:t>np.imag</a:t>
+            </a:r>
+            <a:r>
+              <a:rPr lang="fr-FR" dirty="0"/>
               <a:t>(x) donne 2</a:t>
             </a:r>
           </a:p>
           <a:p>
             <a:r>
-              <a:rPr lang="fr-FR" dirty="0" smtClean="0"/>
+              <a:rPr lang="fr-FR" dirty="0"/>
               <a:t>* et + ont été surchargés</a:t>
             </a:r>
           </a:p>
@@ -4314,216 +4222,6 @@
   <p:clrMapOvr>
     <a:masterClrMapping/>
   </p:clrMapOvr>
-  <p:timing>
-    <p:tnLst>
-      <p:par>
-        <p:cTn id="1" dur="indefinite" restart="never" nodeType="tmRoot"/>
-      </p:par>
-    </p:tnLst>
-  </p:timing>
-</p:sld>
-</file>
-
-<file path=ppt/slides/slide13.xml><?xml version="1.0" encoding="utf-8"?>
-<p:sld xmlns:a="http://schemas.openxmlformats.org/drawingml/2006/main" xmlns:r="http://schemas.openxmlformats.org/officeDocument/2006/relationships" xmlns:p="http://schemas.openxmlformats.org/presentationml/2006/main">
-  <p:cSld>
-    <p:spTree>
-      <p:nvGrpSpPr>
-        <p:cNvPr id="1" name=""/>
-        <p:cNvGrpSpPr/>
-        <p:nvPr/>
-      </p:nvGrpSpPr>
-      <p:grpSpPr>
-        <a:xfrm>
-          <a:off x="0" y="0"/>
-          <a:ext cx="0" cy="0"/>
-          <a:chOff x="0" y="0"/>
-          <a:chExt cx="0" cy="0"/>
-        </a:xfrm>
-      </p:grpSpPr>
-      <p:sp>
-        <p:nvSpPr>
-          <p:cNvPr id="2" name="Titre 1"/>
-          <p:cNvSpPr>
-            <a:spLocks noGrp="1"/>
-          </p:cNvSpPr>
-          <p:nvPr>
-            <p:ph type="title"/>
-          </p:nvPr>
-        </p:nvSpPr>
-        <p:spPr/>
-        <p:txBody>
-          <a:bodyPr/>
-          <a:lstStyle/>
-          <a:p>
-            <a:r>
-              <a:rPr lang="fr-FR" dirty="0"/>
-              <a:t>Transformation de </a:t>
-            </a:r>
-            <a:r>
-              <a:rPr lang="fr-FR" dirty="0" smtClean="0"/>
-              <a:t>Fourier</a:t>
-            </a:r>
-            <a:br>
-              <a:rPr lang="fr-FR" dirty="0" smtClean="0"/>
-            </a:br>
-            <a:r>
-              <a:rPr lang="fr-FR" dirty="0" smtClean="0"/>
-              <a:t>Exemple simple</a:t>
-            </a:r>
-            <a:endParaRPr lang="fr-FR" dirty="0"/>
-          </a:p>
-        </p:txBody>
-      </p:sp>
-      <p:pic>
-        <p:nvPicPr>
-          <p:cNvPr id="4" name="Espace réservé du contenu 3"/>
-          <p:cNvPicPr>
-            <a:picLocks noGrp="1" noChangeAspect="1"/>
-          </p:cNvPicPr>
-          <p:nvPr>
-            <p:ph idx="1"/>
-          </p:nvPr>
-        </p:nvPicPr>
-        <p:blipFill>
-          <a:blip r:embed="rId2"/>
-          <a:stretch>
-            <a:fillRect/>
-          </a:stretch>
-        </p:blipFill>
-        <p:spPr>
-          <a:xfrm>
-            <a:off x="179512" y="1156209"/>
-            <a:ext cx="4141945" cy="5040313"/>
-          </a:xfrm>
-          <a:prstGeom prst="rect">
-            <a:avLst/>
-          </a:prstGeom>
-        </p:spPr>
-      </p:pic>
-      <p:pic>
-        <p:nvPicPr>
-          <p:cNvPr id="5" name="Image 4"/>
-          <p:cNvPicPr>
-            <a:picLocks noChangeAspect="1"/>
-          </p:cNvPicPr>
-          <p:nvPr/>
-        </p:nvPicPr>
-        <p:blipFill>
-          <a:blip r:embed="rId3"/>
-          <a:stretch>
-            <a:fillRect/>
-          </a:stretch>
-        </p:blipFill>
-        <p:spPr>
-          <a:xfrm>
-            <a:off x="4321457" y="1755360"/>
-            <a:ext cx="5043991" cy="3782993"/>
-          </a:xfrm>
-          <a:prstGeom prst="rect">
-            <a:avLst/>
-          </a:prstGeom>
-        </p:spPr>
-      </p:pic>
-      <p:sp>
-        <p:nvSpPr>
-          <p:cNvPr id="3" name="ZoneTexte 2"/>
-          <p:cNvSpPr txBox="1"/>
-          <p:nvPr/>
-        </p:nvSpPr>
-        <p:spPr>
-          <a:xfrm>
-            <a:off x="4321457" y="1083034"/>
-            <a:ext cx="4951868" cy="830997"/>
-          </a:xfrm>
-          <a:prstGeom prst="rect">
-            <a:avLst/>
-          </a:prstGeom>
-          <a:noFill/>
-        </p:spPr>
-        <p:txBody>
-          <a:bodyPr wrap="none" rtlCol="0">
-            <a:spAutoFit/>
-          </a:bodyPr>
-          <a:lstStyle/>
-          <a:p>
-            <a:r>
-              <a:rPr lang="fr-FR" sz="1600" dirty="0"/>
-              <a:t>La Transformée de Fourier </a:t>
-            </a:r>
-            <a:r>
-              <a:rPr lang="fr-FR" sz="1600" dirty="0" smtClean="0"/>
-              <a:t>Rapide (</a:t>
-            </a:r>
-            <a:r>
-              <a:rPr lang="fr-FR" sz="1600" b="1" dirty="0" smtClean="0"/>
-              <a:t>FFT)</a:t>
-            </a:r>
-            <a:r>
-              <a:rPr lang="fr-FR" sz="1600" dirty="0" smtClean="0"/>
-              <a:t> </a:t>
-            </a:r>
-            <a:r>
-              <a:rPr lang="fr-FR" sz="1600" dirty="0"/>
-              <a:t>est un </a:t>
-            </a:r>
-            <a:r>
-              <a:rPr lang="fr-FR" sz="1600" dirty="0" err="1" smtClean="0"/>
-              <a:t>algo</a:t>
-            </a:r>
-            <a:endParaRPr lang="fr-FR" sz="1600" dirty="0" smtClean="0"/>
-          </a:p>
-          <a:p>
-            <a:r>
-              <a:rPr lang="fr-FR" sz="1600" dirty="0" smtClean="0"/>
-              <a:t>qui </a:t>
-            </a:r>
-            <a:r>
-              <a:rPr lang="fr-FR" sz="1600" dirty="0"/>
-              <a:t>permet de calculer des Transformées de </a:t>
-            </a:r>
-            <a:r>
-              <a:rPr lang="fr-FR" sz="1600" dirty="0" smtClean="0"/>
-              <a:t>Fourier</a:t>
-            </a:r>
-          </a:p>
-          <a:p>
-            <a:r>
-              <a:rPr lang="fr-FR" sz="1600" dirty="0" smtClean="0"/>
-              <a:t>Discrètes</a:t>
-            </a:r>
-            <a:r>
-              <a:rPr lang="fr-FR" sz="1600" dirty="0"/>
-              <a:t> </a:t>
-            </a:r>
-            <a:r>
-              <a:rPr lang="fr-FR" sz="1600" dirty="0" smtClean="0"/>
-              <a:t>(</a:t>
-            </a:r>
-            <a:r>
-              <a:rPr lang="fr-FR" sz="1600" b="1" dirty="0" smtClean="0"/>
-              <a:t>DFT)</a:t>
-            </a:r>
-          </a:p>
-        </p:txBody>
-      </p:sp>
-    </p:spTree>
-    <p:extLst>
-      <p:ext uri="{BB962C8B-B14F-4D97-AF65-F5344CB8AC3E}">
-        <p14:creationId xmlns:p14="http://schemas.microsoft.com/office/powerpoint/2010/main" val="1258708871"/>
-      </p:ext>
-    </p:extLst>
-  </p:cSld>
-  <p:clrMapOvr>
-    <a:masterClrMapping/>
-  </p:clrMapOvr>
-  <p:timing>
-    <p:tnLst>
-      <p:par>
-        <p:cTn id="1" dur="indefinite" restart="never" nodeType="tmRoot"/>
-      </p:par>
-    </p:tnLst>
-  </p:timing>
 </p:sld>
 </file>
 
@@ -4560,10 +4258,9 @@
           <a:lstStyle/>
           <a:p>
             <a:r>
-              <a:rPr lang="fr-FR" dirty="0" smtClean="0"/>
+              <a:rPr lang="fr-FR" dirty="0"/>
               <a:t>Python et les Maths</a:t>
             </a:r>
-            <a:endParaRPr lang="fr-FR" dirty="0"/>
           </a:p>
         </p:txBody>
       </p:sp>
@@ -4583,49 +4280,48 @@
           <a:lstStyle/>
           <a:p>
             <a:r>
-              <a:rPr lang="fr-FR" dirty="0" smtClean="0"/>
+              <a:rPr lang="fr-FR" dirty="0"/>
               <a:t>Python a rencontré un grand succès dans le monde scientifique, mathématiques et de l’IA</a:t>
             </a:r>
           </a:p>
           <a:p>
             <a:r>
-              <a:rPr lang="fr-FR" dirty="0" smtClean="0"/>
+              <a:rPr lang="fr-FR" dirty="0"/>
               <a:t>De nombreux modules sont à disposition</a:t>
             </a:r>
           </a:p>
           <a:p>
             <a:pPr lvl="1"/>
             <a:r>
-              <a:rPr lang="fr-FR" dirty="0" err="1" smtClean="0"/>
+              <a:rPr lang="fr-FR" dirty="0" err="1"/>
               <a:t>Numpy</a:t>
             </a:r>
             <a:r>
-              <a:rPr lang="fr-FR" dirty="0" smtClean="0"/>
+              <a:rPr lang="fr-FR" dirty="0"/>
               <a:t>, </a:t>
             </a:r>
             <a:r>
-              <a:rPr lang="fr-FR" dirty="0" err="1" smtClean="0"/>
+              <a:rPr lang="fr-FR" dirty="0" err="1"/>
               <a:t>Scipy</a:t>
             </a:r>
             <a:r>
-              <a:rPr lang="fr-FR" dirty="0" smtClean="0"/>
+              <a:rPr lang="fr-FR" dirty="0"/>
               <a:t>, </a:t>
             </a:r>
             <a:r>
-              <a:rPr lang="fr-FR" dirty="0" err="1" smtClean="0"/>
+              <a:rPr lang="fr-FR" dirty="0" err="1"/>
               <a:t>Scikit-learn</a:t>
             </a:r>
             <a:r>
-              <a:rPr lang="fr-FR" dirty="0" smtClean="0"/>
+              <a:rPr lang="fr-FR" dirty="0"/>
               <a:t>, …</a:t>
             </a:r>
           </a:p>
           <a:p>
             <a:r>
-              <a:rPr lang="fr-FR" dirty="0" smtClean="0"/>
+              <a:rPr lang="fr-FR" dirty="0"/>
               <a:t>Le module math possède les méthodes de base</a:t>
             </a:r>
-            <a:endParaRPr lang="fr-FR" dirty="0"/>
           </a:p>
         </p:txBody>
       </p:sp>
@@ -4663,13 +4359,6 @@
   <p:clrMapOvr>
     <a:masterClrMapping/>
   </p:clrMapOvr>
-  <p:timing>
-    <p:tnLst>
-      <p:par>
-        <p:cTn id="1" dur="indefinite" restart="never" nodeType="tmRoot"/>
-      </p:par>
-    </p:tnLst>
-  </p:timing>
 </p:sld>
 </file>
 
@@ -4706,62 +4395,61 @@
           <a:lstStyle/>
           <a:p>
             <a:r>
-              <a:rPr lang="en-US" dirty="0" err="1" smtClean="0"/>
+              <a:rPr lang="en-US" dirty="0" err="1"/>
               <a:t>NumPy</a:t>
             </a:r>
             <a:r>
-              <a:rPr lang="en-US" dirty="0" smtClean="0"/>
+              <a:rPr lang="en-US" dirty="0"/>
               <a:t> </a:t>
             </a:r>
             <a:r>
-              <a:rPr lang="en-US" dirty="0" err="1" smtClean="0"/>
+              <a:rPr lang="en-US" dirty="0" err="1"/>
               <a:t>est</a:t>
             </a:r>
             <a:r>
-              <a:rPr lang="en-US" dirty="0" smtClean="0"/>
+              <a:rPr lang="en-US" dirty="0"/>
               <a:t> un module </a:t>
             </a:r>
             <a:r>
-              <a:rPr lang="en-US" dirty="0" err="1" smtClean="0"/>
+              <a:rPr lang="en-US" dirty="0" err="1"/>
               <a:t>scientifique</a:t>
             </a:r>
             <a:r>
-              <a:rPr lang="en-US" dirty="0" smtClean="0"/>
+              <a:rPr lang="en-US" dirty="0"/>
               <a:t> de </a:t>
             </a:r>
             <a:r>
-              <a:rPr lang="en-US" dirty="0" err="1" smtClean="0"/>
+              <a:rPr lang="en-US" dirty="0" err="1"/>
               <a:t>calcul</a:t>
             </a:r>
             <a:r>
-              <a:rPr lang="en-US" dirty="0" smtClean="0"/>
+              <a:rPr lang="en-US" dirty="0"/>
               <a:t> qui </a:t>
             </a:r>
             <a:r>
-              <a:rPr lang="en-US" dirty="0" err="1" smtClean="0"/>
+              <a:rPr lang="en-US" dirty="0" err="1"/>
               <a:t>peut</a:t>
             </a:r>
             <a:r>
-              <a:rPr lang="en-US" dirty="0" smtClean="0"/>
+              <a:rPr lang="en-US" dirty="0"/>
               <a:t> :</a:t>
             </a:r>
+          </a:p>
+          <a:p>
+            <a:pPr lvl="1"/>
+            <a:r>
+              <a:rPr lang="en-US" dirty="0" err="1"/>
+              <a:t>Algèbre</a:t>
+            </a:r>
+            <a:r>
+              <a:rPr lang="en-US" dirty="0"/>
+              <a:t> </a:t>
+            </a:r>
+            <a:r>
+              <a:rPr lang="en-US" dirty="0" err="1"/>
+              <a:t>linéaire</a:t>
+            </a:r>
             <a:endParaRPr lang="en-US" dirty="0"/>
-          </a:p>
-          <a:p>
-            <a:pPr lvl="1"/>
-            <a:r>
-              <a:rPr lang="en-US" dirty="0" err="1" smtClean="0"/>
-              <a:t>Algèbre</a:t>
-            </a:r>
-            <a:r>
-              <a:rPr lang="en-US" dirty="0" smtClean="0"/>
-              <a:t> </a:t>
-            </a:r>
-            <a:r>
-              <a:rPr lang="en-US" dirty="0" err="1" smtClean="0"/>
-              <a:t>linéaire</a:t>
-            </a:r>
-            <a:endParaRPr lang="en-US" dirty="0" smtClean="0"/>
           </a:p>
           <a:p>
             <a:pPr lvl="1"/>
@@ -4777,31 +4465,30 @@
               <a:rPr lang="en-US" dirty="0"/>
               <a:t> as np</a:t>
             </a:r>
-            <a:endParaRPr lang="en-US" dirty="0" smtClean="0"/>
           </a:p>
           <a:p>
             <a:pPr lvl="1"/>
             <a:r>
-              <a:rPr lang="en-US" dirty="0" smtClean="0"/>
+              <a:rPr lang="en-US" dirty="0"/>
               <a:t>Travail sur des </a:t>
             </a:r>
             <a:r>
-              <a:rPr lang="en-US" dirty="0" err="1" smtClean="0"/>
+              <a:rPr lang="en-US" dirty="0" err="1"/>
               <a:t>np.array</a:t>
             </a:r>
-            <a:endParaRPr lang="en-US" dirty="0" smtClean="0"/>
+            <a:endParaRPr lang="en-US" dirty="0"/>
           </a:p>
           <a:p>
             <a:pPr lvl="1"/>
             <a:r>
-              <a:rPr lang="en-US" dirty="0" smtClean="0"/>
+              <a:rPr lang="en-US" dirty="0"/>
               <a:t>PIP install </a:t>
             </a:r>
             <a:r>
-              <a:rPr lang="en-US" dirty="0" err="1" smtClean="0"/>
+              <a:rPr lang="en-US" dirty="0" err="1"/>
               <a:t>numpy</a:t>
             </a:r>
-            <a:endParaRPr lang="en-US" dirty="0" smtClean="0"/>
+            <a:endParaRPr lang="en-US" dirty="0"/>
           </a:p>
           <a:p>
             <a:pPr lvl="1"/>
@@ -4867,13 +4554,6 @@
   <p:clrMapOvr>
     <a:masterClrMapping/>
   </p:clrMapOvr>
-  <p:timing>
-    <p:tnLst>
-      <p:par>
-        <p:cTn id="1" dur="indefinite" restart="never" nodeType="tmRoot"/>
-      </p:par>
-    </p:tnLst>
-  </p:timing>
 </p:sld>
 </file>
 
@@ -4910,10 +4590,9 @@
           <a:lstStyle/>
           <a:p>
             <a:r>
-              <a:rPr lang="fr-FR" dirty="0" smtClean="0"/>
+              <a:rPr lang="fr-FR" dirty="0"/>
               <a:t>Matrices</a:t>
             </a:r>
-            <a:endParaRPr lang="fr-FR" dirty="0"/>
           </a:p>
         </p:txBody>
       </p:sp>
@@ -4933,7 +4612,7 @@
           <a:lstStyle/>
           <a:p>
             <a:r>
-              <a:rPr lang="fr-FR" dirty="0" smtClean="0"/>
+              <a:rPr lang="fr-FR" dirty="0"/>
               <a:t>Tableaux à 2 dimensions</a:t>
             </a:r>
           </a:p>
@@ -4941,62 +4620,62 @@
             <a:endParaRPr lang="fr-FR" dirty="0"/>
           </a:p>
           <a:p>
-            <a:endParaRPr lang="fr-FR" dirty="0" smtClean="0"/>
-          </a:p>
-          <a:p>
             <a:endParaRPr lang="fr-FR" dirty="0"/>
           </a:p>
           <a:p>
-            <a:r>
-              <a:rPr lang="fr-FR" dirty="0" smtClean="0"/>
+            <a:endParaRPr lang="fr-FR" dirty="0"/>
+          </a:p>
+          <a:p>
+            <a:r>
+              <a:rPr lang="fr-FR" dirty="0"/>
               <a:t>Matrices particulières</a:t>
             </a:r>
           </a:p>
           <a:p>
             <a:pPr lvl="1"/>
             <a:r>
-              <a:rPr lang="fr-FR" dirty="0" err="1" smtClean="0"/>
+              <a:rPr lang="fr-FR" dirty="0" err="1"/>
               <a:t>zeros</a:t>
             </a:r>
             <a:r>
-              <a:rPr lang="fr-FR" dirty="0" smtClean="0"/>
+              <a:rPr lang="fr-FR" dirty="0"/>
               <a:t>(n) : remplie de 0</a:t>
             </a:r>
           </a:p>
           <a:p>
             <a:pPr lvl="1"/>
             <a:r>
-              <a:rPr lang="fr-FR" dirty="0" smtClean="0"/>
+              <a:rPr lang="fr-FR" dirty="0"/>
               <a:t>one(n) : remplie de 1</a:t>
             </a:r>
           </a:p>
           <a:p>
             <a:pPr lvl="1"/>
             <a:r>
-              <a:rPr lang="fr-FR" dirty="0" err="1" smtClean="0"/>
+              <a:rPr lang="fr-FR" dirty="0" err="1"/>
               <a:t>eye</a:t>
             </a:r>
             <a:r>
-              <a:rPr lang="fr-FR" dirty="0" smtClean="0"/>
+              <a:rPr lang="fr-FR" dirty="0"/>
               <a:t>(n) : 1 en diagonale, 0 ailleurs</a:t>
             </a:r>
           </a:p>
           <a:p>
             <a:pPr lvl="1"/>
             <a:r>
-              <a:rPr lang="fr-FR" dirty="0" err="1" smtClean="0"/>
+              <a:rPr lang="fr-FR" dirty="0" err="1"/>
               <a:t>diag</a:t>
             </a:r>
             <a:r>
-              <a:rPr lang="fr-FR" dirty="0" smtClean="0"/>
+              <a:rPr lang="fr-FR" dirty="0"/>
               <a:t>(</a:t>
             </a:r>
             <a:r>
-              <a:rPr lang="fr-FR" dirty="0" err="1" smtClean="0"/>
+              <a:rPr lang="fr-FR" dirty="0" err="1"/>
               <a:t>v,k</a:t>
             </a:r>
             <a:r>
-              <a:rPr lang="fr-FR" dirty="0" smtClean="0"/>
+              <a:rPr lang="fr-FR" dirty="0"/>
               <a:t>) : vecteur v en diagonal décalé de k</a:t>
             </a:r>
           </a:p>
@@ -5004,17 +4683,12 @@
             <a:pPr lvl="1"/>
             <a:r>
               <a:rPr lang="fr-FR" dirty="0" err="1"/>
-              <a:t>r</a:t>
-            </a:r>
-            <a:r>
-              <a:rPr lang="fr-FR" dirty="0" err="1" smtClean="0"/>
-              <a:t>andom.rand</a:t>
-            </a:r>
-            <a:r>
-              <a:rPr lang="fr-FR" dirty="0" smtClean="0"/>
+              <a:t>random.rand</a:t>
+            </a:r>
+            <a:r>
+              <a:rPr lang="fr-FR" dirty="0"/>
               <a:t>(n) : aléatoire</a:t>
             </a:r>
-            <a:endParaRPr lang="fr-FR" dirty="0"/>
           </a:p>
           <a:p>
             <a:pPr lvl="1"/>
@@ -5080,13 +4754,6 @@
   <p:clrMapOvr>
     <a:masterClrMapping/>
   </p:clrMapOvr>
-  <p:timing>
-    <p:tnLst>
-      <p:par>
-        <p:cTn id="1" dur="indefinite" restart="never" nodeType="tmRoot"/>
-      </p:par>
-    </p:tnLst>
-  </p:timing>
 </p:sld>
 </file>
 
@@ -5123,10 +4790,9 @@
           <a:lstStyle/>
           <a:p>
             <a:r>
-              <a:rPr lang="fr-FR" dirty="0" smtClean="0"/>
+              <a:rPr lang="fr-FR" dirty="0"/>
               <a:t>Calcul Matriciel</a:t>
             </a:r>
-            <a:endParaRPr lang="fr-FR" dirty="0"/>
           </a:p>
         </p:txBody>
       </p:sp>
@@ -5146,7 +4812,7 @@
           <a:lstStyle/>
           <a:p>
             <a:r>
-              <a:rPr lang="fr-FR" dirty="0" smtClean="0"/>
+              <a:rPr lang="fr-FR" dirty="0"/>
               <a:t>Les opérateurs standard sont surchargés</a:t>
             </a:r>
           </a:p>
@@ -5154,46 +4820,42 @@
             <a:endParaRPr lang="fr-FR" dirty="0"/>
           </a:p>
           <a:p>
-            <a:endParaRPr lang="fr-FR" dirty="0" smtClean="0"/>
-          </a:p>
-          <a:p>
             <a:endParaRPr lang="fr-FR" dirty="0"/>
           </a:p>
           <a:p>
+            <a:endParaRPr lang="fr-FR" dirty="0"/>
+          </a:p>
+          <a:p>
             <a:r>
               <a:rPr lang="fr-FR" dirty="0" err="1"/>
-              <a:t>r</a:t>
-            </a:r>
-            <a:r>
-              <a:rPr lang="fr-FR" dirty="0" err="1" smtClean="0"/>
-              <a:t>eshape</a:t>
-            </a:r>
-            <a:r>
-              <a:rPr lang="fr-FR" dirty="0" smtClean="0"/>
+              <a:t>reshape</a:t>
+            </a:r>
+            <a:r>
+              <a:rPr lang="fr-FR" dirty="0"/>
               <a:t> redimensionne la matrice</a:t>
             </a:r>
           </a:p>
           <a:p>
             <a:r>
-              <a:rPr lang="fr-FR" dirty="0" err="1" smtClean="0"/>
+              <a:rPr lang="fr-FR" dirty="0" err="1"/>
               <a:t>linalg.inv</a:t>
             </a:r>
             <a:r>
-              <a:rPr lang="fr-FR" dirty="0" smtClean="0"/>
+              <a:rPr lang="fr-FR" dirty="0"/>
               <a:t> inverse une matrice</a:t>
             </a:r>
           </a:p>
           <a:p>
             <a:pPr lvl="1"/>
             <a:r>
-              <a:rPr lang="fr-FR" dirty="0" smtClean="0"/>
+              <a:rPr lang="fr-FR" dirty="0"/>
               <a:t>Vérifier d’abord si elle est inversable avec </a:t>
             </a:r>
             <a:r>
-              <a:rPr lang="fr-FR" dirty="0" err="1" smtClean="0"/>
+              <a:rPr lang="fr-FR" dirty="0" err="1"/>
               <a:t>rank</a:t>
             </a:r>
-            <a:endParaRPr lang="fr-FR" dirty="0" smtClean="0"/>
+            <a:endParaRPr lang="fr-FR" dirty="0"/>
           </a:p>
           <a:p>
             <a:pPr lvl="1"/>
@@ -5259,13 +4921,6 @@
   <p:clrMapOvr>
     <a:masterClrMapping/>
   </p:clrMapOvr>
-  <p:timing>
-    <p:tnLst>
-      <p:par>
-        <p:cTn id="1" dur="indefinite" restart="never" nodeType="tmRoot"/>
-      </p:par>
-    </p:tnLst>
-  </p:timing>
 </p:sld>
 </file>
 
@@ -5302,7 +4957,7 @@
           <a:lstStyle/>
           <a:p>
             <a:r>
-              <a:rPr lang="fr-FR" dirty="0" err="1" smtClean="0"/>
+              <a:rPr lang="fr-FR" dirty="0" err="1"/>
               <a:t>Random</a:t>
             </a:r>
             <a:endParaRPr lang="fr-FR" dirty="0"/>
@@ -5380,22 +5035,21 @@
           <a:lstStyle/>
           <a:p>
             <a:r>
-              <a:rPr lang="fr-FR" sz="2000" dirty="0" smtClean="0"/>
+              <a:rPr lang="fr-FR" sz="2000" dirty="0"/>
               <a:t>0 veut dire par ligne</a:t>
             </a:r>
           </a:p>
           <a:p>
             <a:r>
-              <a:rPr lang="fr-FR" sz="2000" dirty="0" smtClean="0"/>
+              <a:rPr lang="fr-FR" sz="2000" dirty="0"/>
               <a:t>1 veut dire par colonne</a:t>
             </a:r>
           </a:p>
           <a:p>
             <a:r>
-              <a:rPr lang="fr-FR" sz="2000" dirty="0" smtClean="0"/>
+              <a:rPr lang="fr-FR" sz="2000" dirty="0"/>
               <a:t>Absent veut dire somme totale</a:t>
             </a:r>
-            <a:endParaRPr lang="fr-FR" sz="2000" dirty="0"/>
           </a:p>
         </p:txBody>
       </p:sp>
@@ -5409,13 +5063,6 @@
   <p:clrMapOvr>
     <a:masterClrMapping/>
   </p:clrMapOvr>
-  <p:timing>
-    <p:tnLst>
-      <p:par>
-        <p:cTn id="1" dur="indefinite" restart="never" nodeType="tmRoot"/>
-      </p:par>
-    </p:tnLst>
-  </p:timing>
 </p:sld>
 </file>
 
@@ -5452,10 +5099,9 @@
           <a:lstStyle/>
           <a:p>
             <a:r>
-              <a:rPr lang="fr-FR" dirty="0" smtClean="0"/>
+              <a:rPr lang="fr-FR" dirty="0"/>
               <a:t>Stat</a:t>
             </a:r>
-            <a:endParaRPr lang="fr-FR" dirty="0"/>
           </a:p>
         </p:txBody>
       </p:sp>
@@ -5475,7 +5121,7 @@
           <a:lstStyle/>
           <a:p>
             <a:r>
-              <a:rPr lang="fr-FR" dirty="0" smtClean="0"/>
+              <a:rPr lang="fr-FR" dirty="0"/>
               <a:t>Outils pour les statistiques</a:t>
             </a:r>
           </a:p>
@@ -5483,13 +5129,13 @@
             <a:endParaRPr lang="fr-FR" dirty="0"/>
           </a:p>
           <a:p>
-            <a:endParaRPr lang="fr-FR" dirty="0" smtClean="0"/>
-          </a:p>
-          <a:p>
             <a:endParaRPr lang="fr-FR" dirty="0"/>
           </a:p>
           <a:p>
-            <a:endParaRPr lang="fr-FR" dirty="0" smtClean="0"/>
+            <a:endParaRPr lang="fr-FR" dirty="0"/>
+          </a:p>
+          <a:p>
+            <a:endParaRPr lang="fr-FR" dirty="0"/>
           </a:p>
           <a:p>
             <a:r>
@@ -5498,45 +5144,36 @@
             </a:r>
             <a:r>
               <a:rPr lang="fr-FR" dirty="0"/>
-              <a:t>(loyers).</a:t>
-            </a:r>
-            <a:r>
-              <a:rPr lang="fr-FR" dirty="0" smtClean="0"/>
-              <a:t>T</a:t>
+              <a:t>(loyers).T</a:t>
             </a:r>
           </a:p>
           <a:p>
             <a:pPr lvl="1"/>
             <a:r>
-              <a:rPr lang="fr-FR" dirty="0" smtClean="0"/>
+              <a:rPr lang="fr-FR" dirty="0"/>
               <a:t>Transposition d’une matrice (inversion ligne colonne)</a:t>
             </a:r>
           </a:p>
           <a:p>
             <a:r>
               <a:rPr lang="fr-FR" dirty="0"/>
-              <a:t>n</a:t>
-            </a:r>
-            <a:r>
-              <a:rPr lang="fr-FR" dirty="0" smtClean="0"/>
-              <a:t>p.dot(</a:t>
-            </a:r>
-            <a:r>
-              <a:rPr lang="fr-FR" dirty="0" err="1" smtClean="0"/>
+              <a:t>np.dot(</a:t>
+            </a:r>
+            <a:r>
+              <a:rPr lang="fr-FR" dirty="0" err="1"/>
               <a:t>x,y</a:t>
             </a:r>
             <a:r>
-              <a:rPr lang="fr-FR" dirty="0" smtClean="0"/>
+              <a:rPr lang="fr-FR" dirty="0"/>
               <a:t>)</a:t>
             </a:r>
           </a:p>
           <a:p>
             <a:pPr lvl="1"/>
             <a:r>
-              <a:rPr lang="fr-FR" dirty="0" smtClean="0"/>
+              <a:rPr lang="fr-FR" dirty="0"/>
               <a:t>Multiplication de 2 matrices</a:t>
             </a:r>
-            <a:endParaRPr lang="fr-FR" dirty="0"/>
           </a:p>
         </p:txBody>
       </p:sp>
@@ -5574,13 +5211,6 @@
   <p:clrMapOvr>
     <a:masterClrMapping/>
   </p:clrMapOvr>
-  <p:timing>
-    <p:tnLst>
-      <p:par>
-        <p:cTn id="1" dur="indefinite" restart="never" nodeType="tmRoot"/>
-      </p:par>
-    </p:tnLst>
-  </p:timing>
 </p:sld>
 </file>
 
@@ -5617,7 +5247,7 @@
           <a:lstStyle/>
           <a:p>
             <a:r>
-              <a:rPr lang="fr-FR" dirty="0" err="1" smtClean="0"/>
+              <a:rPr lang="fr-FR" dirty="0" err="1"/>
               <a:t>SciPy</a:t>
             </a:r>
             <a:endParaRPr lang="fr-FR" dirty="0"/>
@@ -5640,58 +5270,58 @@
           <a:lstStyle/>
           <a:p>
             <a:r>
-              <a:rPr lang="fr-FR" dirty="0" err="1" smtClean="0"/>
+              <a:rPr lang="fr-FR" dirty="0" err="1"/>
               <a:t>SciPy</a:t>
             </a:r>
             <a:r>
-              <a:rPr lang="fr-FR" dirty="0" smtClean="0"/>
+              <a:rPr lang="fr-FR" dirty="0"/>
               <a:t> contient des modules avancés dans plusieurs domaines</a:t>
             </a:r>
           </a:p>
           <a:p>
             <a:pPr lvl="1"/>
             <a:r>
-              <a:rPr lang="fr-FR" dirty="0" smtClean="0"/>
+              <a:rPr lang="fr-FR" dirty="0"/>
               <a:t>Basé sur </a:t>
             </a:r>
             <a:r>
-              <a:rPr lang="fr-FR" dirty="0" err="1" smtClean="0"/>
+              <a:rPr lang="fr-FR" dirty="0" err="1"/>
               <a:t>NumPy</a:t>
             </a:r>
-            <a:endParaRPr lang="fr-FR" dirty="0" smtClean="0"/>
-          </a:p>
-          <a:p>
-            <a:r>
-              <a:rPr lang="fr-FR" dirty="0" err="1" smtClean="0"/>
+            <a:endParaRPr lang="fr-FR" dirty="0"/>
+          </a:p>
+          <a:p>
+            <a:r>
+              <a:rPr lang="fr-FR" dirty="0" err="1"/>
               <a:t>Scipy.stats</a:t>
             </a:r>
-            <a:endParaRPr lang="fr-FR" dirty="0" smtClean="0"/>
+            <a:endParaRPr lang="fr-FR" dirty="0"/>
           </a:p>
           <a:p>
             <a:pPr lvl="1"/>
             <a:r>
-              <a:rPr lang="fr-FR" dirty="0" smtClean="0"/>
+              <a:rPr lang="fr-FR" dirty="0"/>
               <a:t>Outils de statistiques</a:t>
             </a:r>
           </a:p>
           <a:p>
             <a:r>
-              <a:rPr lang="fr-FR" dirty="0" err="1" smtClean="0"/>
+              <a:rPr lang="fr-FR" dirty="0" err="1"/>
               <a:t>Linregress</a:t>
             </a:r>
-            <a:endParaRPr lang="fr-FR" dirty="0" smtClean="0"/>
+            <a:endParaRPr lang="fr-FR" dirty="0"/>
           </a:p>
           <a:p>
             <a:pPr lvl="1"/>
             <a:r>
-              <a:rPr lang="fr-FR" dirty="0" smtClean="0"/>
+              <a:rPr lang="fr-FR" dirty="0"/>
               <a:t>Calcul la </a:t>
             </a:r>
             <a:r>
-              <a:rPr lang="fr-FR" dirty="0" err="1" smtClean="0"/>
+              <a:rPr lang="fr-FR" dirty="0" err="1"/>
               <a:t>regression</a:t>
             </a:r>
-            <a:endParaRPr lang="fr-FR" dirty="0" smtClean="0"/>
+            <a:endParaRPr lang="fr-FR" dirty="0"/>
           </a:p>
           <a:p>
             <a:pPr lvl="1"/>
@@ -5748,49 +5378,48 @@
               <a:t>x,y</a:t>
             </a:r>
             <a:r>
-              <a:rPr lang="fr-FR" dirty="0" smtClean="0"/>
+              <a:rPr lang="fr-FR" dirty="0"/>
               <a:t>)</a:t>
             </a:r>
           </a:p>
           <a:p>
             <a:pPr lvl="1"/>
             <a:r>
-              <a:rPr lang="fr-FR" dirty="0" smtClean="0"/>
+              <a:rPr lang="fr-FR" dirty="0"/>
               <a:t>Avec </a:t>
             </a:r>
             <a:r>
-              <a:rPr lang="fr-FR" dirty="0" err="1" smtClean="0"/>
+              <a:rPr lang="fr-FR" dirty="0" err="1"/>
               <a:t>slope</a:t>
             </a:r>
             <a:r>
-              <a:rPr lang="fr-FR" dirty="0" smtClean="0"/>
+              <a:rPr lang="fr-FR" dirty="0"/>
               <a:t> = a de </a:t>
             </a:r>
             <a:r>
-              <a:rPr lang="fr-FR" dirty="0" err="1" smtClean="0"/>
+              <a:rPr lang="fr-FR" dirty="0" err="1"/>
               <a:t>ax+b</a:t>
             </a:r>
             <a:r>
-              <a:rPr lang="fr-FR" dirty="0" smtClean="0"/>
+              <a:rPr lang="fr-FR" dirty="0"/>
               <a:t>, </a:t>
             </a:r>
             <a:r>
-              <a:rPr lang="fr-FR" dirty="0" err="1" smtClean="0"/>
+              <a:rPr lang="fr-FR" dirty="0" err="1"/>
               <a:t>intercept</a:t>
             </a:r>
             <a:r>
-              <a:rPr lang="fr-FR" dirty="0" smtClean="0"/>
+              <a:rPr lang="fr-FR" dirty="0"/>
               <a:t> = b, </a:t>
             </a:r>
             <a:r>
-              <a:rPr lang="fr-FR" dirty="0" err="1" smtClean="0"/>
+              <a:rPr lang="fr-FR" dirty="0" err="1"/>
               <a:t>r_value</a:t>
             </a:r>
             <a:r>
-              <a:rPr lang="fr-FR" dirty="0" smtClean="0"/>
+              <a:rPr lang="fr-FR" dirty="0"/>
               <a:t> le coefficient de corrélation</a:t>
             </a:r>
-            <a:endParaRPr lang="fr-FR" dirty="0"/>
           </a:p>
         </p:txBody>
       </p:sp>
@@ -5828,13 +5457,6 @@
   <p:clrMapOvr>
     <a:masterClrMapping/>
   </p:clrMapOvr>
-  <p:timing>
-    <p:tnLst>
-      <p:par>
-        <p:cTn id="1" dur="indefinite" restart="never" nodeType="tmRoot"/>
-      </p:par>
-    </p:tnLst>
-  </p:timing>
 </p:sld>
 </file>
 
@@ -5871,7 +5493,7 @@
           <a:lstStyle/>
           <a:p>
             <a:r>
-              <a:rPr lang="fr-FR" dirty="0" err="1" smtClean="0"/>
+              <a:rPr lang="fr-FR" dirty="0" err="1"/>
               <a:t>SciPy</a:t>
             </a:r>
             <a:endParaRPr lang="fr-FR" dirty="0"/>
@@ -5894,22 +5516,22 @@
           <a:lstStyle/>
           <a:p>
             <a:r>
-              <a:rPr lang="fr-FR" dirty="0" err="1" smtClean="0"/>
+              <a:rPr lang="fr-FR" dirty="0" err="1"/>
               <a:t>Linregress</a:t>
             </a:r>
-            <a:endParaRPr lang="fr-FR" dirty="0" smtClean="0"/>
+            <a:endParaRPr lang="fr-FR" dirty="0"/>
           </a:p>
           <a:p>
             <a:pPr lvl="1"/>
             <a:r>
-              <a:rPr lang="fr-FR" dirty="0" smtClean="0"/>
+              <a:rPr lang="fr-FR" dirty="0"/>
               <a:t>Calcul la </a:t>
             </a:r>
             <a:r>
-              <a:rPr lang="fr-FR" dirty="0" err="1" smtClean="0"/>
+              <a:rPr lang="fr-FR" dirty="0" err="1"/>
               <a:t>regression</a:t>
             </a:r>
-            <a:endParaRPr lang="fr-FR" dirty="0" smtClean="0"/>
+            <a:endParaRPr lang="fr-FR" dirty="0"/>
           </a:p>
           <a:p>
             <a:pPr lvl="1"/>
@@ -6005,7 +5627,7 @@
               <a:t>x,y</a:t>
             </a:r>
             <a:r>
-              <a:rPr lang="fr-FR" sz="2000" dirty="0" smtClean="0">
+              <a:rPr lang="fr-FR" sz="2000" dirty="0">
                 <a:latin typeface="Courier New" panose="02070309020205020404" pitchFamily="49" charset="0"/>
                 <a:cs typeface="Courier New" panose="02070309020205020404" pitchFamily="49" charset="0"/>
               </a:rPr>
@@ -6015,41 +5637,40 @@
           <a:p>
             <a:pPr lvl="1"/>
             <a:r>
-              <a:rPr lang="fr-FR" dirty="0" err="1" smtClean="0"/>
+              <a:rPr lang="fr-FR" dirty="0" err="1"/>
               <a:t>slope</a:t>
             </a:r>
             <a:r>
-              <a:rPr lang="fr-FR" dirty="0" smtClean="0"/>
+              <a:rPr lang="fr-FR" dirty="0"/>
               <a:t> = a de </a:t>
             </a:r>
             <a:r>
-              <a:rPr lang="fr-FR" dirty="0" err="1" smtClean="0"/>
+              <a:rPr lang="fr-FR" dirty="0" err="1"/>
               <a:t>ax+b</a:t>
             </a:r>
-            <a:endParaRPr lang="fr-FR" dirty="0" smtClean="0"/>
+            <a:endParaRPr lang="fr-FR" dirty="0"/>
           </a:p>
           <a:p>
             <a:pPr lvl="1"/>
             <a:r>
-              <a:rPr lang="fr-FR" dirty="0" err="1" smtClean="0"/>
+              <a:rPr lang="fr-FR" dirty="0" err="1"/>
               <a:t>intercept</a:t>
             </a:r>
             <a:r>
-              <a:rPr lang="fr-FR" dirty="0" smtClean="0"/>
+              <a:rPr lang="fr-FR" dirty="0"/>
               <a:t> = b</a:t>
             </a:r>
           </a:p>
           <a:p>
             <a:pPr lvl="1"/>
             <a:r>
-              <a:rPr lang="fr-FR" dirty="0" err="1" smtClean="0"/>
+              <a:rPr lang="fr-FR" dirty="0" err="1"/>
               <a:t>r_value</a:t>
             </a:r>
             <a:r>
-              <a:rPr lang="fr-FR" dirty="0" smtClean="0"/>
+              <a:rPr lang="fr-FR" dirty="0"/>
               <a:t> le coefficient de corrélation dont la valeur absolue doit être proche de 1</a:t>
             </a:r>
-            <a:endParaRPr lang="fr-FR" dirty="0"/>
           </a:p>
         </p:txBody>
       </p:sp>
@@ -6087,13 +5708,6 @@
   <p:clrMapOvr>
     <a:masterClrMapping/>
   </p:clrMapOvr>
-  <p:timing>
-    <p:tnLst>
-      <p:par>
-        <p:cTn id="1" dur="indefinite" restart="never" nodeType="tmRoot"/>
-      </p:par>
-    </p:tnLst>
-  </p:timing>
 </p:sld>
 </file>
 
